--- a/R_project_presentation.pptx
+++ b/R_project_presentation.pptx
@@ -5,7 +5,7 @@
     <p:sldMasterId id="2147483658" r:id="rId1"/>
   </p:sldMasterIdLst>
   <p:notesMasterIdLst>
-    <p:notesMasterId r:id="rId25"/>
+    <p:notesMasterId r:id="rId28"/>
   </p:notesMasterIdLst>
   <p:sldIdLst>
     <p:sldId id="256" r:id="rId2"/>
@@ -29,25 +29,28 @@
     <p:sldId id="343" r:id="rId20"/>
     <p:sldId id="338" r:id="rId21"/>
     <p:sldId id="339" r:id="rId22"/>
-    <p:sldId id="340" r:id="rId23"/>
-    <p:sldId id="336" r:id="rId24"/>
+    <p:sldId id="356" r:id="rId23"/>
+    <p:sldId id="340" r:id="rId24"/>
+    <p:sldId id="336" r:id="rId25"/>
+    <p:sldId id="357" r:id="rId26"/>
+    <p:sldId id="358" r:id="rId27"/>
   </p:sldIdLst>
   <p:sldSz cx="9144000" cy="5143500" type="screen16x9"/>
   <p:notesSz cx="6858000" cy="9144000"/>
   <p:embeddedFontLst>
     <p:embeddedFont>
       <p:font typeface="Lato" panose="020F0502020204030203" pitchFamily="34" charset="0"/>
-      <p:regular r:id="rId26"/>
-      <p:bold r:id="rId27"/>
-      <p:italic r:id="rId28"/>
-      <p:boldItalic r:id="rId29"/>
+      <p:regular r:id="rId29"/>
+      <p:bold r:id="rId30"/>
+      <p:italic r:id="rId31"/>
+      <p:boldItalic r:id="rId32"/>
     </p:embeddedFont>
     <p:embeddedFont>
       <p:font typeface="Raleway" pitchFamily="2" charset="77"/>
-      <p:regular r:id="rId30"/>
-      <p:bold r:id="rId31"/>
-      <p:italic r:id="rId32"/>
-      <p:boldItalic r:id="rId33"/>
+      <p:regular r:id="rId33"/>
+      <p:bold r:id="rId34"/>
+      <p:italic r:id="rId35"/>
+      <p:boldItalic r:id="rId36"/>
     </p:embeddedFont>
   </p:embeddedFontLst>
   <p:defaultTextStyle>
@@ -3813,7 +3816,12 @@
             <p:ph type="body" idx="1"/>
           </p:nvPr>
         </p:nvSpPr>
-        <p:spPr/>
+        <p:spPr>
+          <a:xfrm>
+            <a:off x="893700" y="1373588"/>
+            <a:ext cx="7174122" cy="3552300"/>
+          </a:xfrm>
+        </p:spPr>
         <p:txBody>
           <a:bodyPr/>
           <a:lstStyle/>
@@ -3832,7 +3840,7 @@
           <a:p>
             <a:r>
               <a:rPr lang="en-US" dirty="0"/>
-              <a:t>Removed 3 columns due to linearly dependency</a:t>
+              <a:t>Removed 3 columns due to linear dependency</a:t>
             </a:r>
           </a:p>
           <a:p>
@@ -7155,13 +7163,19 @@
         </p:nvSpPr>
         <p:spPr>
           <a:xfrm>
-            <a:off x="893699" y="1373588"/>
-            <a:ext cx="7286473" cy="3552300"/>
+            <a:off x="893699" y="1050324"/>
+            <a:ext cx="7356601" cy="3875564"/>
           </a:xfrm>
         </p:spPr>
         <p:txBody>
           <a:bodyPr/>
           <a:lstStyle/>
+          <a:p>
+            <a:r>
+              <a:rPr lang="en-US" dirty="0"/>
+              <a:t>Developing vs developed countries</a:t>
+            </a:r>
+          </a:p>
           <a:p>
             <a:r>
               <a:rPr lang="en-US" dirty="0"/>
@@ -7198,7 +7212,7 @@
             <a:pPr lvl="1"/>
             <a:r>
               <a:rPr lang="en-US" dirty="0"/>
-              <a:t>↓ 10 deaths/1000 ⇒  ↑ 8.83-9.08 years</a:t>
+              <a:t>↓ 1 deaths/1000 ⇒  ↑ 0.88-0.91 years</a:t>
             </a:r>
           </a:p>
           <a:p>
@@ -7211,7 +7225,7 @@
             <a:pPr lvl="1"/>
             <a:r>
               <a:rPr lang="en-US" dirty="0"/>
-              <a:t>↑ 10%   ⇒  ↑ 2.75-2.99 years</a:t>
+              <a:t>↑ 10% immunization  ⇒  ↑ 0.43-0.44 years</a:t>
             </a:r>
           </a:p>
         </p:txBody>
@@ -7485,12 +7499,44 @@
             <p:ph type="body" idx="1"/>
           </p:nvPr>
         </p:nvSpPr>
-        <p:spPr/>
+        <p:spPr>
+          <a:xfrm>
+            <a:off x="893700" y="1215788"/>
+            <a:ext cx="6462600" cy="3710100"/>
+          </a:xfrm>
+        </p:spPr>
         <p:txBody>
           <a:bodyPr/>
           <a:lstStyle/>
           <a:p>
-            <a:endParaRPr lang="en-US"/>
+            <a:r>
+              <a:rPr lang="en-US" dirty="0"/>
+              <a:t>Geographical data</a:t>
+            </a:r>
+          </a:p>
+          <a:p>
+            <a:r>
+              <a:rPr lang="en-US" dirty="0"/>
+              <a:t>Natural resources data</a:t>
+            </a:r>
+          </a:p>
+          <a:p>
+            <a:r>
+              <a:rPr lang="en-US" dirty="0"/>
+              <a:t>More economic data: income, minimum wage</a:t>
+            </a:r>
+          </a:p>
+          <a:p>
+            <a:r>
+              <a:rPr lang="en-US" dirty="0"/>
+              <a:t>More health data: health insurance, quality of healthcare</a:t>
+            </a:r>
+          </a:p>
+          <a:p>
+            <a:r>
+              <a:rPr lang="en-US" dirty="0"/>
+              <a:t>Larger dataset to split into training dataset and test/validation dataset to assess model accuracy</a:t>
+            </a:r>
           </a:p>
         </p:txBody>
       </p:sp>
@@ -7583,32 +7629,10 @@
           <a:bodyPr/>
           <a:lstStyle/>
           <a:p>
-            <a:endParaRPr lang="en-US"/>
-          </a:p>
-        </p:txBody>
-      </p:sp>
-      <p:sp>
-        <p:nvSpPr>
-          <p:cNvPr id="3" name="Text Placeholder 2">
-            <a:extLst>
-              <a:ext uri="{FF2B5EF4-FFF2-40B4-BE49-F238E27FC236}">
-                <a16:creationId xmlns:a16="http://schemas.microsoft.com/office/drawing/2014/main" id="{15731E63-CBB4-B846-96C4-7703BAD9366F}"/>
-              </a:ext>
-            </a:extLst>
-          </p:cNvPr>
-          <p:cNvSpPr>
-            <a:spLocks noGrp="1"/>
-          </p:cNvSpPr>
-          <p:nvPr>
-            <p:ph type="body" idx="1"/>
-          </p:nvPr>
-        </p:nvSpPr>
-        <p:spPr/>
-        <p:txBody>
-          <a:bodyPr/>
-          <a:lstStyle/>
-          <a:p>
-            <a:endParaRPr lang="en-US"/>
+            <a:r>
+              <a:rPr lang="en-US" dirty="0"/>
+              <a:t>Questions?</a:t>
+            </a:r>
           </a:p>
         </p:txBody>
       </p:sp>
@@ -7685,6 +7709,137 @@
           <p:cNvPr id="2" name="Title 1">
             <a:extLst>
               <a:ext uri="{FF2B5EF4-FFF2-40B4-BE49-F238E27FC236}">
+                <a16:creationId xmlns:a16="http://schemas.microsoft.com/office/drawing/2014/main" id="{87B3E7C9-A79E-7440-B0B9-7F0BB50A9ADD}"/>
+              </a:ext>
+            </a:extLst>
+          </p:cNvPr>
+          <p:cNvSpPr>
+            <a:spLocks noGrp="1"/>
+          </p:cNvSpPr>
+          <p:nvPr>
+            <p:ph type="title"/>
+          </p:nvPr>
+        </p:nvSpPr>
+        <p:spPr>
+          <a:xfrm>
+            <a:off x="893699" y="358388"/>
+            <a:ext cx="7780743" cy="857400"/>
+          </a:xfrm>
+        </p:spPr>
+        <p:txBody>
+          <a:bodyPr/>
+          <a:lstStyle/>
+          <a:p>
+            <a:r>
+              <a:rPr lang="en-US" dirty="0"/>
+              <a:t>Added-Variable Plots: 2014 Developing</a:t>
+            </a:r>
+          </a:p>
+        </p:txBody>
+      </p:sp>
+      <p:sp>
+        <p:nvSpPr>
+          <p:cNvPr id="4" name="Slide Number Placeholder 3">
+            <a:extLst>
+              <a:ext uri="{FF2B5EF4-FFF2-40B4-BE49-F238E27FC236}">
+                <a16:creationId xmlns:a16="http://schemas.microsoft.com/office/drawing/2014/main" id="{AFA4D4EF-A7CF-8B48-A25F-3782DC9973E3}"/>
+              </a:ext>
+            </a:extLst>
+          </p:cNvPr>
+          <p:cNvSpPr>
+            <a:spLocks noGrp="1"/>
+          </p:cNvSpPr>
+          <p:nvPr>
+            <p:ph type="sldNum" idx="12"/>
+          </p:nvPr>
+        </p:nvSpPr>
+        <p:spPr/>
+        <p:txBody>
+          <a:bodyPr/>
+          <a:lstStyle/>
+          <a:p>
+            <a:pPr marL="0" lvl="0" indent="0" algn="r" rtl="0">
+              <a:spcBef>
+                <a:spcPts val="0"/>
+              </a:spcBef>
+              <a:spcAft>
+                <a:spcPts val="0"/>
+              </a:spcAft>
+              <a:buNone/>
+            </a:pPr>
+            <a:fld id="{00000000-1234-1234-1234-123412341234}" type="slidenum">
+              <a:rPr lang="en" smtClean="0"/>
+              <a:t>22</a:t>
+            </a:fld>
+            <a:endParaRPr lang="en"/>
+          </a:p>
+        </p:txBody>
+      </p:sp>
+      <p:pic>
+        <p:nvPicPr>
+          <p:cNvPr id="6" name="Picture 5" descr="Graphical user interface&#10;&#10;Description automatically generated with low confidence">
+            <a:extLst>
+              <a:ext uri="{FF2B5EF4-FFF2-40B4-BE49-F238E27FC236}">
+                <a16:creationId xmlns:a16="http://schemas.microsoft.com/office/drawing/2014/main" id="{37D55B3C-E860-D24F-AB6C-F88C15A82602}"/>
+              </a:ext>
+            </a:extLst>
+          </p:cNvPr>
+          <p:cNvPicPr>
+            <a:picLocks noChangeAspect="1"/>
+          </p:cNvPicPr>
+          <p:nvPr/>
+        </p:nvPicPr>
+        <p:blipFill>
+          <a:blip r:embed="rId2"/>
+          <a:stretch>
+            <a:fillRect/>
+          </a:stretch>
+        </p:blipFill>
+        <p:spPr>
+          <a:xfrm>
+            <a:off x="529673" y="1089377"/>
+            <a:ext cx="8084653" cy="3921056"/>
+          </a:xfrm>
+          <a:prstGeom prst="rect">
+            <a:avLst/>
+          </a:prstGeom>
+        </p:spPr>
+      </p:pic>
+    </p:spTree>
+    <p:extLst>
+      <p:ext uri="{BB962C8B-B14F-4D97-AF65-F5344CB8AC3E}">
+        <p14:creationId xmlns:p14="http://schemas.microsoft.com/office/powerpoint/2010/main" val="3438032158"/>
+      </p:ext>
+    </p:extLst>
+  </p:cSld>
+  <p:clrMapOvr>
+    <a:masterClrMapping/>
+  </p:clrMapOvr>
+</p:sld>
+</file>
+
+<file path=ppt/slides/slide23.xml><?xml version="1.0" encoding="utf-8"?>
+<p:sld xmlns:a="http://schemas.openxmlformats.org/drawingml/2006/main" xmlns:r="http://schemas.openxmlformats.org/officeDocument/2006/relationships" xmlns:p="http://schemas.openxmlformats.org/presentationml/2006/main">
+  <p:cSld>
+    <p:spTree>
+      <p:nvGrpSpPr>
+        <p:cNvPr id="1" name=""/>
+        <p:cNvGrpSpPr/>
+        <p:nvPr/>
+      </p:nvGrpSpPr>
+      <p:grpSpPr>
+        <a:xfrm>
+          <a:off x="0" y="0"/>
+          <a:ext cx="0" cy="0"/>
+          <a:chOff x="0" y="0"/>
+          <a:chExt cx="0" cy="0"/>
+        </a:xfrm>
+      </p:grpSpPr>
+      <p:sp>
+        <p:nvSpPr>
+          <p:cNvPr id="2" name="Title 1">
+            <a:extLst>
+              <a:ext uri="{FF2B5EF4-FFF2-40B4-BE49-F238E27FC236}">
                 <a16:creationId xmlns:a16="http://schemas.microsoft.com/office/drawing/2014/main" id="{12F48557-D191-F343-A56A-41D3CF416BC3}"/>
               </a:ext>
             </a:extLst>
@@ -7701,32 +7856,10 @@
           <a:bodyPr/>
           <a:lstStyle/>
           <a:p>
-            <a:endParaRPr lang="en-US"/>
-          </a:p>
-        </p:txBody>
-      </p:sp>
-      <p:sp>
-        <p:nvSpPr>
-          <p:cNvPr id="3" name="Text Placeholder 2">
-            <a:extLst>
-              <a:ext uri="{FF2B5EF4-FFF2-40B4-BE49-F238E27FC236}">
-                <a16:creationId xmlns:a16="http://schemas.microsoft.com/office/drawing/2014/main" id="{642A0FD0-B336-EC45-817E-75CE82F7D368}"/>
-              </a:ext>
-            </a:extLst>
-          </p:cNvPr>
-          <p:cNvSpPr>
-            <a:spLocks noGrp="1"/>
-          </p:cNvSpPr>
-          <p:nvPr>
-            <p:ph type="body" idx="1"/>
-          </p:nvPr>
-        </p:nvSpPr>
-        <p:spPr/>
-        <p:txBody>
-          <a:bodyPr/>
-          <a:lstStyle/>
-          <a:p>
-            <a:endParaRPr lang="en-US"/>
+            <a:r>
+              <a:rPr lang="en-US" dirty="0"/>
+              <a:t>Residuals vs Fitted</a:t>
+            </a:r>
           </a:p>
         </p:txBody>
       </p:sp>
@@ -7762,12 +7895,42 @@
             </a:pPr>
             <a:fld id="{00000000-1234-1234-1234-123412341234}" type="slidenum">
               <a:rPr lang="en" smtClean="0"/>
-              <a:t>22</a:t>
+              <a:t>23</a:t>
             </a:fld>
             <a:endParaRPr lang="en"/>
           </a:p>
         </p:txBody>
       </p:sp>
+      <p:pic>
+        <p:nvPicPr>
+          <p:cNvPr id="6" name="Picture 5" descr="Chart, scatter chart&#10;&#10;Description automatically generated">
+            <a:extLst>
+              <a:ext uri="{FF2B5EF4-FFF2-40B4-BE49-F238E27FC236}">
+                <a16:creationId xmlns:a16="http://schemas.microsoft.com/office/drawing/2014/main" id="{8235B63F-EE52-EC4E-A9B9-DF70A2FEC8D0}"/>
+              </a:ext>
+            </a:extLst>
+          </p:cNvPr>
+          <p:cNvPicPr>
+            <a:picLocks noChangeAspect="1"/>
+          </p:cNvPicPr>
+          <p:nvPr/>
+        </p:nvPicPr>
+        <p:blipFill>
+          <a:blip r:embed="rId2"/>
+          <a:stretch>
+            <a:fillRect/>
+          </a:stretch>
+        </p:blipFill>
+        <p:spPr>
+          <a:xfrm>
+            <a:off x="537821" y="1097280"/>
+            <a:ext cx="8068357" cy="3913153"/>
+          </a:xfrm>
+          <a:prstGeom prst="rect">
+            <a:avLst/>
+          </a:prstGeom>
+        </p:spPr>
+      </p:pic>
     </p:spTree>
     <p:extLst>
       <p:ext uri="{BB962C8B-B14F-4D97-AF65-F5344CB8AC3E}">
@@ -7781,7 +7944,7 @@
 </p:sld>
 </file>
 
-<file path=ppt/slides/slide23.xml><?xml version="1.0" encoding="utf-8"?>
+<file path=ppt/slides/slide24.xml><?xml version="1.0" encoding="utf-8"?>
 <p:sld xmlns:a="http://schemas.openxmlformats.org/drawingml/2006/main" xmlns:r="http://schemas.openxmlformats.org/officeDocument/2006/relationships" xmlns:p="http://schemas.openxmlformats.org/presentationml/2006/main">
   <p:cSld>
     <p:spTree>
@@ -7819,32 +7982,10 @@
           <a:bodyPr/>
           <a:lstStyle/>
           <a:p>
-            <a:endParaRPr lang="en-US"/>
-          </a:p>
-        </p:txBody>
-      </p:sp>
-      <p:sp>
-        <p:nvSpPr>
-          <p:cNvPr id="3" name="Text Placeholder 2">
-            <a:extLst>
-              <a:ext uri="{FF2B5EF4-FFF2-40B4-BE49-F238E27FC236}">
-                <a16:creationId xmlns:a16="http://schemas.microsoft.com/office/drawing/2014/main" id="{3A628798-C63F-FE47-93A8-668E3824FE40}"/>
-              </a:ext>
-            </a:extLst>
-          </p:cNvPr>
-          <p:cNvSpPr>
-            <a:spLocks noGrp="1"/>
-          </p:cNvSpPr>
-          <p:nvPr>
-            <p:ph type="body" idx="1"/>
-          </p:nvPr>
-        </p:nvSpPr>
-        <p:spPr/>
-        <p:txBody>
-          <a:bodyPr/>
-          <a:lstStyle/>
-          <a:p>
-            <a:endParaRPr lang="en-US"/>
+            <a:r>
+              <a:rPr lang="en-US" dirty="0"/>
+              <a:t>Q-Q Plot</a:t>
+            </a:r>
           </a:p>
         </p:txBody>
       </p:sp>
@@ -7880,16 +8021,298 @@
             </a:pPr>
             <a:fld id="{00000000-1234-1234-1234-123412341234}" type="slidenum">
               <a:rPr lang="en" smtClean="0"/>
-              <a:t>23</a:t>
+              <a:t>24</a:t>
             </a:fld>
             <a:endParaRPr lang="en"/>
           </a:p>
         </p:txBody>
       </p:sp>
+      <p:pic>
+        <p:nvPicPr>
+          <p:cNvPr id="6" name="Picture 5" descr="Chart, line chart&#10;&#10;Description automatically generated">
+            <a:extLst>
+              <a:ext uri="{FF2B5EF4-FFF2-40B4-BE49-F238E27FC236}">
+                <a16:creationId xmlns:a16="http://schemas.microsoft.com/office/drawing/2014/main" id="{1FD4C886-5871-494E-8F97-9713A93692A2}"/>
+              </a:ext>
+            </a:extLst>
+          </p:cNvPr>
+          <p:cNvPicPr>
+            <a:picLocks noChangeAspect="1"/>
+          </p:cNvPicPr>
+          <p:nvPr/>
+        </p:nvPicPr>
+        <p:blipFill>
+          <a:blip r:embed="rId2"/>
+          <a:stretch>
+            <a:fillRect/>
+          </a:stretch>
+        </p:blipFill>
+        <p:spPr>
+          <a:xfrm>
+            <a:off x="631071" y="1187732"/>
+            <a:ext cx="7881857" cy="3822701"/>
+          </a:xfrm>
+          <a:prstGeom prst="rect">
+            <a:avLst/>
+          </a:prstGeom>
+        </p:spPr>
+      </p:pic>
     </p:spTree>
     <p:extLst>
       <p:ext uri="{BB962C8B-B14F-4D97-AF65-F5344CB8AC3E}">
         <p14:creationId xmlns:p14="http://schemas.microsoft.com/office/powerpoint/2010/main" val="3197516451"/>
+      </p:ext>
+    </p:extLst>
+  </p:cSld>
+  <p:clrMapOvr>
+    <a:masterClrMapping/>
+  </p:clrMapOvr>
+</p:sld>
+</file>
+
+<file path=ppt/slides/slide25.xml><?xml version="1.0" encoding="utf-8"?>
+<p:sld xmlns:a="http://schemas.openxmlformats.org/drawingml/2006/main" xmlns:r="http://schemas.openxmlformats.org/officeDocument/2006/relationships" xmlns:p="http://schemas.openxmlformats.org/presentationml/2006/main">
+  <p:cSld>
+    <p:spTree>
+      <p:nvGrpSpPr>
+        <p:cNvPr id="1" name=""/>
+        <p:cNvGrpSpPr/>
+        <p:nvPr/>
+      </p:nvGrpSpPr>
+      <p:grpSpPr>
+        <a:xfrm>
+          <a:off x="0" y="0"/>
+          <a:ext cx="0" cy="0"/>
+          <a:chOff x="0" y="0"/>
+          <a:chExt cx="0" cy="0"/>
+        </a:xfrm>
+      </p:grpSpPr>
+      <p:sp>
+        <p:nvSpPr>
+          <p:cNvPr id="2" name="Title 1">
+            <a:extLst>
+              <a:ext uri="{FF2B5EF4-FFF2-40B4-BE49-F238E27FC236}">
+                <a16:creationId xmlns:a16="http://schemas.microsoft.com/office/drawing/2014/main" id="{39B250A0-DE44-2146-B133-B956608DCBC0}"/>
+              </a:ext>
+            </a:extLst>
+          </p:cNvPr>
+          <p:cNvSpPr>
+            <a:spLocks noGrp="1"/>
+          </p:cNvSpPr>
+          <p:nvPr>
+            <p:ph type="title"/>
+          </p:nvPr>
+        </p:nvSpPr>
+        <p:spPr/>
+        <p:txBody>
+          <a:bodyPr/>
+          <a:lstStyle/>
+          <a:p>
+            <a:r>
+              <a:rPr lang="en-US" dirty="0"/>
+              <a:t>Standardized Residuals</a:t>
+            </a:r>
+          </a:p>
+        </p:txBody>
+      </p:sp>
+      <p:sp>
+        <p:nvSpPr>
+          <p:cNvPr id="4" name="Slide Number Placeholder 3">
+            <a:extLst>
+              <a:ext uri="{FF2B5EF4-FFF2-40B4-BE49-F238E27FC236}">
+                <a16:creationId xmlns:a16="http://schemas.microsoft.com/office/drawing/2014/main" id="{A3B8E911-6C09-C64E-A43C-89572F403ED5}"/>
+              </a:ext>
+            </a:extLst>
+          </p:cNvPr>
+          <p:cNvSpPr>
+            <a:spLocks noGrp="1"/>
+          </p:cNvSpPr>
+          <p:nvPr>
+            <p:ph type="sldNum" idx="12"/>
+          </p:nvPr>
+        </p:nvSpPr>
+        <p:spPr/>
+        <p:txBody>
+          <a:bodyPr/>
+          <a:lstStyle/>
+          <a:p>
+            <a:pPr marL="0" lvl="0" indent="0" algn="r" rtl="0">
+              <a:spcBef>
+                <a:spcPts val="0"/>
+              </a:spcBef>
+              <a:spcAft>
+                <a:spcPts val="0"/>
+              </a:spcAft>
+              <a:buNone/>
+            </a:pPr>
+            <a:fld id="{00000000-1234-1234-1234-123412341234}" type="slidenum">
+              <a:rPr lang="en" smtClean="0"/>
+              <a:t>25</a:t>
+            </a:fld>
+            <a:endParaRPr lang="en"/>
+          </a:p>
+        </p:txBody>
+      </p:sp>
+      <p:pic>
+        <p:nvPicPr>
+          <p:cNvPr id="6" name="Picture 5" descr="Chart, scatter chart&#10;&#10;Description automatically generated">
+            <a:extLst>
+              <a:ext uri="{FF2B5EF4-FFF2-40B4-BE49-F238E27FC236}">
+                <a16:creationId xmlns:a16="http://schemas.microsoft.com/office/drawing/2014/main" id="{94803323-4263-064B-BF2C-633D26D94427}"/>
+              </a:ext>
+            </a:extLst>
+          </p:cNvPr>
+          <p:cNvPicPr>
+            <a:picLocks noChangeAspect="1"/>
+          </p:cNvPicPr>
+          <p:nvPr/>
+        </p:nvPicPr>
+        <p:blipFill>
+          <a:blip r:embed="rId2"/>
+          <a:stretch>
+            <a:fillRect/>
+          </a:stretch>
+        </p:blipFill>
+        <p:spPr>
+          <a:xfrm>
+            <a:off x="581185" y="1139342"/>
+            <a:ext cx="7981630" cy="3871091"/>
+          </a:xfrm>
+          <a:prstGeom prst="rect">
+            <a:avLst/>
+          </a:prstGeom>
+        </p:spPr>
+      </p:pic>
+    </p:spTree>
+    <p:extLst>
+      <p:ext uri="{BB962C8B-B14F-4D97-AF65-F5344CB8AC3E}">
+        <p14:creationId xmlns:p14="http://schemas.microsoft.com/office/powerpoint/2010/main" val="1086368763"/>
+      </p:ext>
+    </p:extLst>
+  </p:cSld>
+  <p:clrMapOvr>
+    <a:masterClrMapping/>
+  </p:clrMapOvr>
+</p:sld>
+</file>
+
+<file path=ppt/slides/slide26.xml><?xml version="1.0" encoding="utf-8"?>
+<p:sld xmlns:a="http://schemas.openxmlformats.org/drawingml/2006/main" xmlns:r="http://schemas.openxmlformats.org/officeDocument/2006/relationships" xmlns:p="http://schemas.openxmlformats.org/presentationml/2006/main">
+  <p:cSld>
+    <p:spTree>
+      <p:nvGrpSpPr>
+        <p:cNvPr id="1" name=""/>
+        <p:cNvGrpSpPr/>
+        <p:nvPr/>
+      </p:nvGrpSpPr>
+      <p:grpSpPr>
+        <a:xfrm>
+          <a:off x="0" y="0"/>
+          <a:ext cx="0" cy="0"/>
+          <a:chOff x="0" y="0"/>
+          <a:chExt cx="0" cy="0"/>
+        </a:xfrm>
+      </p:grpSpPr>
+      <p:sp>
+        <p:nvSpPr>
+          <p:cNvPr id="2" name="Title 1">
+            <a:extLst>
+              <a:ext uri="{FF2B5EF4-FFF2-40B4-BE49-F238E27FC236}">
+                <a16:creationId xmlns:a16="http://schemas.microsoft.com/office/drawing/2014/main" id="{D8D77451-CF87-6646-8E1A-0FD81B81C74E}"/>
+              </a:ext>
+            </a:extLst>
+          </p:cNvPr>
+          <p:cNvSpPr>
+            <a:spLocks noGrp="1"/>
+          </p:cNvSpPr>
+          <p:nvPr>
+            <p:ph type="title"/>
+          </p:nvPr>
+        </p:nvSpPr>
+        <p:spPr/>
+        <p:txBody>
+          <a:bodyPr/>
+          <a:lstStyle/>
+          <a:p>
+            <a:r>
+              <a:rPr lang="en-US" dirty="0"/>
+              <a:t>Residuals vs Leverage</a:t>
+            </a:r>
+          </a:p>
+        </p:txBody>
+      </p:sp>
+      <p:sp>
+        <p:nvSpPr>
+          <p:cNvPr id="4" name="Slide Number Placeholder 3">
+            <a:extLst>
+              <a:ext uri="{FF2B5EF4-FFF2-40B4-BE49-F238E27FC236}">
+                <a16:creationId xmlns:a16="http://schemas.microsoft.com/office/drawing/2014/main" id="{9284B004-4C4F-DE47-BA2D-6B3080E1BFAD}"/>
+              </a:ext>
+            </a:extLst>
+          </p:cNvPr>
+          <p:cNvSpPr>
+            <a:spLocks noGrp="1"/>
+          </p:cNvSpPr>
+          <p:nvPr>
+            <p:ph type="sldNum" idx="12"/>
+          </p:nvPr>
+        </p:nvSpPr>
+        <p:spPr/>
+        <p:txBody>
+          <a:bodyPr/>
+          <a:lstStyle/>
+          <a:p>
+            <a:pPr marL="0" lvl="0" indent="0" algn="r" rtl="0">
+              <a:spcBef>
+                <a:spcPts val="0"/>
+              </a:spcBef>
+              <a:spcAft>
+                <a:spcPts val="0"/>
+              </a:spcAft>
+              <a:buNone/>
+            </a:pPr>
+            <a:fld id="{00000000-1234-1234-1234-123412341234}" type="slidenum">
+              <a:rPr lang="en" smtClean="0"/>
+              <a:t>26</a:t>
+            </a:fld>
+            <a:endParaRPr lang="en"/>
+          </a:p>
+        </p:txBody>
+      </p:sp>
+      <p:pic>
+        <p:nvPicPr>
+          <p:cNvPr id="6" name="Picture 5" descr="Chart, scatter chart&#10;&#10;Description automatically generated">
+            <a:extLst>
+              <a:ext uri="{FF2B5EF4-FFF2-40B4-BE49-F238E27FC236}">
+                <a16:creationId xmlns:a16="http://schemas.microsoft.com/office/drawing/2014/main" id="{601347E7-1641-CC41-81A4-84F7B3BB0D1D}"/>
+              </a:ext>
+            </a:extLst>
+          </p:cNvPr>
+          <p:cNvPicPr>
+            <a:picLocks noChangeAspect="1"/>
+          </p:cNvPicPr>
+          <p:nvPr/>
+        </p:nvPicPr>
+        <p:blipFill>
+          <a:blip r:embed="rId2"/>
+          <a:stretch>
+            <a:fillRect/>
+          </a:stretch>
+        </p:blipFill>
+        <p:spPr>
+          <a:xfrm>
+            <a:off x="649698" y="1205801"/>
+            <a:ext cx="7844603" cy="3804632"/>
+          </a:xfrm>
+          <a:prstGeom prst="rect">
+            <a:avLst/>
+          </a:prstGeom>
+        </p:spPr>
+      </p:pic>
+    </p:spTree>
+    <p:extLst>
+      <p:ext uri="{BB962C8B-B14F-4D97-AF65-F5344CB8AC3E}">
+        <p14:creationId xmlns:p14="http://schemas.microsoft.com/office/powerpoint/2010/main" val="1364053816"/>
       </p:ext>
     </p:extLst>
   </p:cSld>

--- a/R_project_presentation.pptx
+++ b/R_project_presentation.pptx
@@ -5,7 +5,7 @@
     <p:sldMasterId id="2147483658" r:id="rId1"/>
   </p:sldMasterIdLst>
   <p:notesMasterIdLst>
-    <p:notesMasterId r:id="rId28"/>
+    <p:notesMasterId r:id="rId26"/>
   </p:notesMasterIdLst>
   <p:sldIdLst>
     <p:sldId id="256" r:id="rId2"/>
@@ -13,44 +13,42 @@
     <p:sldId id="261" r:id="rId4"/>
     <p:sldId id="334" r:id="rId5"/>
     <p:sldId id="350" r:id="rId6"/>
-    <p:sldId id="335" r:id="rId7"/>
-    <p:sldId id="347" r:id="rId8"/>
-    <p:sldId id="348" r:id="rId9"/>
-    <p:sldId id="349" r:id="rId10"/>
-    <p:sldId id="346" r:id="rId11"/>
-    <p:sldId id="353" r:id="rId12"/>
-    <p:sldId id="337" r:id="rId13"/>
-    <p:sldId id="342" r:id="rId14"/>
-    <p:sldId id="344" r:id="rId15"/>
-    <p:sldId id="351" r:id="rId16"/>
-    <p:sldId id="352" r:id="rId17"/>
-    <p:sldId id="354" r:id="rId18"/>
-    <p:sldId id="355" r:id="rId19"/>
-    <p:sldId id="343" r:id="rId20"/>
-    <p:sldId id="338" r:id="rId21"/>
-    <p:sldId id="339" r:id="rId22"/>
-    <p:sldId id="356" r:id="rId23"/>
-    <p:sldId id="340" r:id="rId24"/>
-    <p:sldId id="336" r:id="rId25"/>
-    <p:sldId id="357" r:id="rId26"/>
-    <p:sldId id="358" r:id="rId27"/>
+    <p:sldId id="347" r:id="rId7"/>
+    <p:sldId id="349" r:id="rId8"/>
+    <p:sldId id="346" r:id="rId9"/>
+    <p:sldId id="353" r:id="rId10"/>
+    <p:sldId id="337" r:id="rId11"/>
+    <p:sldId id="342" r:id="rId12"/>
+    <p:sldId id="344" r:id="rId13"/>
+    <p:sldId id="351" r:id="rId14"/>
+    <p:sldId id="352" r:id="rId15"/>
+    <p:sldId id="354" r:id="rId16"/>
+    <p:sldId id="355" r:id="rId17"/>
+    <p:sldId id="343" r:id="rId18"/>
+    <p:sldId id="338" r:id="rId19"/>
+    <p:sldId id="339" r:id="rId20"/>
+    <p:sldId id="356" r:id="rId21"/>
+    <p:sldId id="340" r:id="rId22"/>
+    <p:sldId id="336" r:id="rId23"/>
+    <p:sldId id="357" r:id="rId24"/>
+    <p:sldId id="358" r:id="rId25"/>
   </p:sldIdLst>
   <p:sldSz cx="9144000" cy="5143500" type="screen16x9"/>
   <p:notesSz cx="6858000" cy="9144000"/>
   <p:embeddedFontLst>
     <p:embeddedFont>
       <p:font typeface="Lato" panose="020F0502020204030203" pitchFamily="34" charset="0"/>
-      <p:regular r:id="rId29"/>
-      <p:bold r:id="rId30"/>
-      <p:italic r:id="rId31"/>
-      <p:boldItalic r:id="rId32"/>
+      <p:regular r:id="rId27"/>
+      <p:bold r:id="rId28"/>
+      <p:italic r:id="rId29"/>
+      <p:boldItalic r:id="rId30"/>
     </p:embeddedFont>
     <p:embeddedFont>
       <p:font typeface="Raleway" pitchFamily="2" charset="77"/>
-      <p:regular r:id="rId33"/>
-      <p:bold r:id="rId34"/>
-      <p:italic r:id="rId35"/>
-      <p:boldItalic r:id="rId36"/>
+      <p:regular r:id="rId31"/>
+      <p:bold r:id="rId32"/>
+      <p:italic r:id="rId33"/>
+      <p:boldItalic r:id="rId34"/>
     </p:embeddedFont>
   </p:embeddedFontLst>
   <p:defaultTextStyle>
@@ -3646,290 +3644,6 @@
           <p:cNvPr id="2" name="Title 1">
             <a:extLst>
               <a:ext uri="{FF2B5EF4-FFF2-40B4-BE49-F238E27FC236}">
-                <a16:creationId xmlns:a16="http://schemas.microsoft.com/office/drawing/2014/main" id="{15FD5AF3-1153-8440-BEE2-2AE7B03DFD71}"/>
-              </a:ext>
-            </a:extLst>
-          </p:cNvPr>
-          <p:cNvSpPr>
-            <a:spLocks noGrp="1"/>
-          </p:cNvSpPr>
-          <p:nvPr>
-            <p:ph type="title"/>
-          </p:nvPr>
-        </p:nvSpPr>
-        <p:spPr/>
-        <p:txBody>
-          <a:bodyPr/>
-          <a:lstStyle/>
-          <a:p>
-            <a:r>
-              <a:rPr lang="en-US" dirty="0"/>
-              <a:t>Life expectancy vs Schooling</a:t>
-            </a:r>
-          </a:p>
-        </p:txBody>
-      </p:sp>
-      <p:sp>
-        <p:nvSpPr>
-          <p:cNvPr id="4" name="Slide Number Placeholder 3">
-            <a:extLst>
-              <a:ext uri="{FF2B5EF4-FFF2-40B4-BE49-F238E27FC236}">
-                <a16:creationId xmlns:a16="http://schemas.microsoft.com/office/drawing/2014/main" id="{07A22B59-EBDF-1E4F-B15F-E15F6DCE0919}"/>
-              </a:ext>
-            </a:extLst>
-          </p:cNvPr>
-          <p:cNvSpPr>
-            <a:spLocks noGrp="1"/>
-          </p:cNvSpPr>
-          <p:nvPr>
-            <p:ph type="sldNum" idx="12"/>
-          </p:nvPr>
-        </p:nvSpPr>
-        <p:spPr/>
-        <p:txBody>
-          <a:bodyPr/>
-          <a:lstStyle/>
-          <a:p>
-            <a:pPr marL="0" lvl="0" indent="0" algn="r" rtl="0">
-              <a:spcBef>
-                <a:spcPts val="0"/>
-              </a:spcBef>
-              <a:spcAft>
-                <a:spcPts val="0"/>
-              </a:spcAft>
-              <a:buNone/>
-            </a:pPr>
-            <a:fld id="{00000000-1234-1234-1234-123412341234}" type="slidenum">
-              <a:rPr lang="en" smtClean="0"/>
-              <a:t>10</a:t>
-            </a:fld>
-            <a:endParaRPr lang="en"/>
-          </a:p>
-        </p:txBody>
-      </p:sp>
-      <p:pic>
-        <p:nvPicPr>
-          <p:cNvPr id="6" name="Picture 5" descr="Chart, scatter chart&#10;&#10;Description automatically generated">
-            <a:extLst>
-              <a:ext uri="{FF2B5EF4-FFF2-40B4-BE49-F238E27FC236}">
-                <a16:creationId xmlns:a16="http://schemas.microsoft.com/office/drawing/2014/main" id="{4713B4D8-4390-7142-9462-69A9096056C9}"/>
-              </a:ext>
-            </a:extLst>
-          </p:cNvPr>
-          <p:cNvPicPr>
-            <a:picLocks noChangeAspect="1"/>
-          </p:cNvPicPr>
-          <p:nvPr/>
-        </p:nvPicPr>
-        <p:blipFill>
-          <a:blip r:embed="rId2"/>
-          <a:stretch>
-            <a:fillRect/>
-          </a:stretch>
-        </p:blipFill>
-        <p:spPr>
-          <a:xfrm>
-            <a:off x="706657" y="1266760"/>
-            <a:ext cx="7730685" cy="3749040"/>
-          </a:xfrm>
-          <a:prstGeom prst="rect">
-            <a:avLst/>
-          </a:prstGeom>
-        </p:spPr>
-      </p:pic>
-    </p:spTree>
-    <p:extLst>
-      <p:ext uri="{BB962C8B-B14F-4D97-AF65-F5344CB8AC3E}">
-        <p14:creationId xmlns:p14="http://schemas.microsoft.com/office/powerpoint/2010/main" val="901473690"/>
-      </p:ext>
-    </p:extLst>
-  </p:cSld>
-  <p:clrMapOvr>
-    <a:masterClrMapping/>
-  </p:clrMapOvr>
-</p:sld>
-</file>
-
-<file path=ppt/slides/slide11.xml><?xml version="1.0" encoding="utf-8"?>
-<p:sld xmlns:a="http://schemas.openxmlformats.org/drawingml/2006/main" xmlns:r="http://schemas.openxmlformats.org/officeDocument/2006/relationships" xmlns:p="http://schemas.openxmlformats.org/presentationml/2006/main">
-  <p:cSld>
-    <p:spTree>
-      <p:nvGrpSpPr>
-        <p:cNvPr id="1" name=""/>
-        <p:cNvGrpSpPr/>
-        <p:nvPr/>
-      </p:nvGrpSpPr>
-      <p:grpSpPr>
-        <a:xfrm>
-          <a:off x="0" y="0"/>
-          <a:ext cx="0" cy="0"/>
-          <a:chOff x="0" y="0"/>
-          <a:chExt cx="0" cy="0"/>
-        </a:xfrm>
-      </p:grpSpPr>
-      <p:sp>
-        <p:nvSpPr>
-          <p:cNvPr id="2" name="Title 1">
-            <a:extLst>
-              <a:ext uri="{FF2B5EF4-FFF2-40B4-BE49-F238E27FC236}">
-                <a16:creationId xmlns:a16="http://schemas.microsoft.com/office/drawing/2014/main" id="{0CAE251D-6CD4-164C-AF18-374EABD7C9AE}"/>
-              </a:ext>
-            </a:extLst>
-          </p:cNvPr>
-          <p:cNvSpPr>
-            <a:spLocks noGrp="1"/>
-          </p:cNvSpPr>
-          <p:nvPr>
-            <p:ph type="title"/>
-          </p:nvPr>
-        </p:nvSpPr>
-        <p:spPr>
-          <a:xfrm>
-            <a:off x="893699" y="358388"/>
-            <a:ext cx="7586875" cy="857400"/>
-          </a:xfrm>
-        </p:spPr>
-        <p:txBody>
-          <a:bodyPr/>
-          <a:lstStyle/>
-          <a:p>
-            <a:r>
-              <a:rPr lang="en-US" dirty="0"/>
-              <a:t>Multiple Linear Regression Procedure</a:t>
-            </a:r>
-          </a:p>
-        </p:txBody>
-      </p:sp>
-      <p:sp>
-        <p:nvSpPr>
-          <p:cNvPr id="3" name="Text Placeholder 2">
-            <a:extLst>
-              <a:ext uri="{FF2B5EF4-FFF2-40B4-BE49-F238E27FC236}">
-                <a16:creationId xmlns:a16="http://schemas.microsoft.com/office/drawing/2014/main" id="{583693C7-36FB-314F-922F-0586DDDB087F}"/>
-              </a:ext>
-            </a:extLst>
-          </p:cNvPr>
-          <p:cNvSpPr>
-            <a:spLocks noGrp="1"/>
-          </p:cNvSpPr>
-          <p:nvPr>
-            <p:ph type="body" idx="1"/>
-          </p:nvPr>
-        </p:nvSpPr>
-        <p:spPr>
-          <a:xfrm>
-            <a:off x="893700" y="1373588"/>
-            <a:ext cx="7174122" cy="3552300"/>
-          </a:xfrm>
-        </p:spPr>
-        <p:txBody>
-          <a:bodyPr/>
-          <a:lstStyle/>
-          <a:p>
-            <a:r>
-              <a:rPr lang="en-US" dirty="0"/>
-              <a:t>All countries, developed, developing</a:t>
-            </a:r>
-          </a:p>
-          <a:p>
-            <a:r>
-              <a:rPr lang="en-US" dirty="0"/>
-              <a:t>Removed countries with N/A values</a:t>
-            </a:r>
-          </a:p>
-          <a:p>
-            <a:r>
-              <a:rPr lang="en-US" dirty="0"/>
-              <a:t>Removed 3 columns due to linear dependency</a:t>
-            </a:r>
-          </a:p>
-          <a:p>
-            <a:r>
-              <a:rPr lang="en-US" dirty="0"/>
-              <a:t>Step-wise regression using AIC as the penalty criteria</a:t>
-            </a:r>
-          </a:p>
-          <a:p>
-            <a:r>
-              <a:rPr lang="en-US" dirty="0"/>
-              <a:t>Checked regression assumptions were satisfied with plots and VIF values &lt; 5</a:t>
-            </a:r>
-          </a:p>
-        </p:txBody>
-      </p:sp>
-      <p:sp>
-        <p:nvSpPr>
-          <p:cNvPr id="4" name="Slide Number Placeholder 3">
-            <a:extLst>
-              <a:ext uri="{FF2B5EF4-FFF2-40B4-BE49-F238E27FC236}">
-                <a16:creationId xmlns:a16="http://schemas.microsoft.com/office/drawing/2014/main" id="{6A33DC5F-B5C3-3E45-98B3-D3077AE27C38}"/>
-              </a:ext>
-            </a:extLst>
-          </p:cNvPr>
-          <p:cNvSpPr>
-            <a:spLocks noGrp="1"/>
-          </p:cNvSpPr>
-          <p:nvPr>
-            <p:ph type="sldNum" idx="12"/>
-          </p:nvPr>
-        </p:nvSpPr>
-        <p:spPr/>
-        <p:txBody>
-          <a:bodyPr/>
-          <a:lstStyle/>
-          <a:p>
-            <a:pPr marL="0" lvl="0" indent="0" algn="r" rtl="0">
-              <a:spcBef>
-                <a:spcPts val="0"/>
-              </a:spcBef>
-              <a:spcAft>
-                <a:spcPts val="0"/>
-              </a:spcAft>
-              <a:buNone/>
-            </a:pPr>
-            <a:fld id="{00000000-1234-1234-1234-123412341234}" type="slidenum">
-              <a:rPr lang="en" smtClean="0"/>
-              <a:t>11</a:t>
-            </a:fld>
-            <a:endParaRPr lang="en"/>
-          </a:p>
-        </p:txBody>
-      </p:sp>
-    </p:spTree>
-    <p:extLst>
-      <p:ext uri="{BB962C8B-B14F-4D97-AF65-F5344CB8AC3E}">
-        <p14:creationId xmlns:p14="http://schemas.microsoft.com/office/powerpoint/2010/main" val="3282485125"/>
-      </p:ext>
-    </p:extLst>
-  </p:cSld>
-  <p:clrMapOvr>
-    <a:masterClrMapping/>
-  </p:clrMapOvr>
-</p:sld>
-</file>
-
-<file path=ppt/slides/slide12.xml><?xml version="1.0" encoding="utf-8"?>
-<p:sld xmlns:a="http://schemas.openxmlformats.org/drawingml/2006/main" xmlns:r="http://schemas.openxmlformats.org/officeDocument/2006/relationships" xmlns:p="http://schemas.openxmlformats.org/presentationml/2006/main">
-  <p:cSld>
-    <p:spTree>
-      <p:nvGrpSpPr>
-        <p:cNvPr id="1" name=""/>
-        <p:cNvGrpSpPr/>
-        <p:nvPr/>
-      </p:nvGrpSpPr>
-      <p:grpSpPr>
-        <a:xfrm>
-          <a:off x="0" y="0"/>
-          <a:ext cx="0" cy="0"/>
-          <a:chOff x="0" y="0"/>
-          <a:chExt cx="0" cy="0"/>
-        </a:xfrm>
-      </p:grpSpPr>
-      <p:sp>
-        <p:nvSpPr>
-          <p:cNvPr id="2" name="Title 1">
-            <a:extLst>
-              <a:ext uri="{FF2B5EF4-FFF2-40B4-BE49-F238E27FC236}">
                 <a16:creationId xmlns:a16="http://schemas.microsoft.com/office/drawing/2014/main" id="{B6F45A7D-A6B4-414B-9D23-A9EC58599743}"/>
               </a:ext>
             </a:extLst>
@@ -3990,7 +3704,7 @@
             </a:pPr>
             <a:fld id="{00000000-1234-1234-1234-123412341234}" type="slidenum">
               <a:rPr lang="en" smtClean="0"/>
-              <a:t>12</a:t>
+              <a:t>10</a:t>
             </a:fld>
             <a:endParaRPr lang="en"/>
           </a:p>
@@ -4929,7 +4643,7 @@
 </p:sld>
 </file>
 
-<file path=ppt/slides/slide13.xml><?xml version="1.0" encoding="utf-8"?>
+<file path=ppt/slides/slide11.xml><?xml version="1.0" encoding="utf-8"?>
 <p:sld xmlns:a="http://schemas.openxmlformats.org/drawingml/2006/main" xmlns:r="http://schemas.openxmlformats.org/officeDocument/2006/relationships" xmlns:p="http://schemas.openxmlformats.org/presentationml/2006/main">
   <p:cSld>
     <p:spTree>
@@ -4978,7 +4692,7 @@
             </a:pPr>
             <a:fld id="{00000000-1234-1234-1234-123412341234}" type="slidenum">
               <a:rPr lang="en" smtClean="0"/>
-              <a:t>13</a:t>
+              <a:t>11</a:t>
             </a:fld>
             <a:endParaRPr lang="en"/>
           </a:p>
@@ -5837,7 +5551,7 @@
 </p:sld>
 </file>
 
-<file path=ppt/slides/slide14.xml><?xml version="1.0" encoding="utf-8"?>
+<file path=ppt/slides/slide12.xml><?xml version="1.0" encoding="utf-8"?>
 <p:sld xmlns:a="http://schemas.openxmlformats.org/drawingml/2006/main" xmlns:r="http://schemas.openxmlformats.org/officeDocument/2006/relationships" xmlns:p="http://schemas.openxmlformats.org/presentationml/2006/main">
   <p:cSld>
     <p:spTree>
@@ -5886,7 +5600,7 @@
             </a:pPr>
             <a:fld id="{00000000-1234-1234-1234-123412341234}" type="slidenum">
               <a:rPr lang="en" smtClean="0"/>
-              <a:t>14</a:t>
+              <a:t>12</a:t>
             </a:fld>
             <a:endParaRPr lang="en"/>
           </a:p>
@@ -6596,7 +6310,7 @@
 </p:sld>
 </file>
 
-<file path=ppt/slides/slide15.xml><?xml version="1.0" encoding="utf-8"?>
+<file path=ppt/slides/slide13.xml><?xml version="1.0" encoding="utf-8"?>
 <p:sld xmlns:a="http://schemas.openxmlformats.org/drawingml/2006/main" xmlns:r="http://schemas.openxmlformats.org/officeDocument/2006/relationships" xmlns:p="http://schemas.openxmlformats.org/presentationml/2006/main">
   <p:cSld>
     <p:spTree>
@@ -6673,7 +6387,7 @@
             </a:pPr>
             <a:fld id="{00000000-1234-1234-1234-123412341234}" type="slidenum">
               <a:rPr lang="en" smtClean="0"/>
-              <a:t>15</a:t>
+              <a:t>13</a:t>
             </a:fld>
             <a:endParaRPr lang="en"/>
           </a:p>
@@ -6722,7 +6436,7 @@
 </p:sld>
 </file>
 
-<file path=ppt/slides/slide16.xml><?xml version="1.0" encoding="utf-8"?>
+<file path=ppt/slides/slide14.xml><?xml version="1.0" encoding="utf-8"?>
 <p:sld xmlns:a="http://schemas.openxmlformats.org/drawingml/2006/main" xmlns:r="http://schemas.openxmlformats.org/officeDocument/2006/relationships" xmlns:p="http://schemas.openxmlformats.org/presentationml/2006/main">
   <p:cSld>
     <p:spTree>
@@ -6799,7 +6513,7 @@
             </a:pPr>
             <a:fld id="{00000000-1234-1234-1234-123412341234}" type="slidenum">
               <a:rPr lang="en" smtClean="0"/>
-              <a:t>16</a:t>
+              <a:t>14</a:t>
             </a:fld>
             <a:endParaRPr lang="en"/>
           </a:p>
@@ -6848,7 +6562,7 @@
 </p:sld>
 </file>
 
-<file path=ppt/slides/slide17.xml><?xml version="1.0" encoding="utf-8"?>
+<file path=ppt/slides/slide15.xml><?xml version="1.0" encoding="utf-8"?>
 <p:sld xmlns:a="http://schemas.openxmlformats.org/drawingml/2006/main" xmlns:r="http://schemas.openxmlformats.org/officeDocument/2006/relationships" xmlns:p="http://schemas.openxmlformats.org/presentationml/2006/main">
   <p:cSld>
     <p:spTree>
@@ -6925,7 +6639,7 @@
             </a:pPr>
             <a:fld id="{00000000-1234-1234-1234-123412341234}" type="slidenum">
               <a:rPr lang="en" smtClean="0"/>
-              <a:t>17</a:t>
+              <a:t>15</a:t>
             </a:fld>
             <a:endParaRPr lang="en"/>
           </a:p>
@@ -6974,7 +6688,7 @@
 </p:sld>
 </file>
 
-<file path=ppt/slides/slide18.xml><?xml version="1.0" encoding="utf-8"?>
+<file path=ppt/slides/slide16.xml><?xml version="1.0" encoding="utf-8"?>
 <p:sld xmlns:a="http://schemas.openxmlformats.org/drawingml/2006/main" xmlns:r="http://schemas.openxmlformats.org/officeDocument/2006/relationships" xmlns:p="http://schemas.openxmlformats.org/presentationml/2006/main">
   <p:cSld>
     <p:spTree>
@@ -7051,7 +6765,7 @@
             </a:pPr>
             <a:fld id="{00000000-1234-1234-1234-123412341234}" type="slidenum">
               <a:rPr lang="en" smtClean="0"/>
-              <a:t>18</a:t>
+              <a:t>16</a:t>
             </a:fld>
             <a:endParaRPr lang="en"/>
           </a:p>
@@ -7100,7 +6814,7 @@
 </p:sld>
 </file>
 
-<file path=ppt/slides/slide19.xml><?xml version="1.0" encoding="utf-8"?>
+<file path=ppt/slides/slide17.xml><?xml version="1.0" encoding="utf-8"?>
 <p:sld xmlns:a="http://schemas.openxmlformats.org/drawingml/2006/main" xmlns:r="http://schemas.openxmlformats.org/officeDocument/2006/relationships" xmlns:p="http://schemas.openxmlformats.org/presentationml/2006/main">
   <p:cSld>
     <p:spTree>
@@ -7186,7 +6900,7 @@
             <a:pPr lvl="1"/>
             <a:r>
               <a:rPr lang="en-US" dirty="0"/>
-              <a:t>↑ 10% utilization  ⇒  ↑ 2.75-2.99 years</a:t>
+              <a:t>↑ 10% utilization  ⇒  ↑ 2.99 years</a:t>
             </a:r>
           </a:p>
           <a:p>
@@ -7212,7 +6926,7 @@
             <a:pPr lvl="1"/>
             <a:r>
               <a:rPr lang="en-US" dirty="0"/>
-              <a:t>↓ 1 deaths/1000 ⇒  ↑ 0.88-0.91 years</a:t>
+              <a:t>↓ 1 deaths/1000 ⇒  ↑ 0.91 years</a:t>
             </a:r>
           </a:p>
           <a:p>
@@ -7225,7 +6939,7 @@
             <a:pPr lvl="1"/>
             <a:r>
               <a:rPr lang="en-US" dirty="0"/>
-              <a:t>↑ 10% immunization  ⇒  ↑ 0.43-0.44 years</a:t>
+              <a:t>↑ 10% immunization  ⇒  ↑ 0.44 years</a:t>
             </a:r>
           </a:p>
         </p:txBody>
@@ -7262,6 +6976,738 @@
             </a:pPr>
             <a:fld id="{00000000-1234-1234-1234-123412341234}" type="slidenum">
               <a:rPr lang="en" smtClean="0"/>
+              <a:t>17</a:t>
+            </a:fld>
+            <a:endParaRPr lang="en"/>
+          </a:p>
+        </p:txBody>
+      </p:sp>
+    </p:spTree>
+    <p:extLst>
+      <p:ext uri="{BB962C8B-B14F-4D97-AF65-F5344CB8AC3E}">
+        <p14:creationId xmlns:p14="http://schemas.microsoft.com/office/powerpoint/2010/main" val="1255641799"/>
+      </p:ext>
+    </p:extLst>
+  </p:cSld>
+  <p:clrMapOvr>
+    <a:masterClrMapping/>
+  </p:clrMapOvr>
+  <p:timing>
+    <p:tnLst>
+      <p:par>
+        <p:cTn id="1" dur="indefinite" restart="never" nodeType="tmRoot">
+          <p:childTnLst>
+            <p:seq concurrent="1" nextAc="seek">
+              <p:cTn id="2" dur="indefinite" nodeType="mainSeq">
+                <p:childTnLst>
+                  <p:par>
+                    <p:cTn id="3" fill="hold">
+                      <p:stCondLst>
+                        <p:cond delay="indefinite"/>
+                      </p:stCondLst>
+                      <p:childTnLst>
+                        <p:par>
+                          <p:cTn id="4" fill="hold">
+                            <p:stCondLst>
+                              <p:cond delay="0"/>
+                            </p:stCondLst>
+                            <p:childTnLst>
+                              <p:par>
+                                <p:cTn id="5" presetID="1" presetClass="entr" presetSubtype="0" fill="hold" nodeType="clickEffect">
+                                  <p:stCondLst>
+                                    <p:cond delay="0"/>
+                                  </p:stCondLst>
+                                  <p:childTnLst>
+                                    <p:set>
+                                      <p:cBhvr>
+                                        <p:cTn id="6" dur="1" fill="hold">
+                                          <p:stCondLst>
+                                            <p:cond delay="0"/>
+                                          </p:stCondLst>
+                                        </p:cTn>
+                                        <p:tgtEl>
+                                          <p:spTgt spid="3">
+                                            <p:txEl>
+                                              <p:pRg st="0" end="0"/>
+                                            </p:txEl>
+                                          </p:spTgt>
+                                        </p:tgtEl>
+                                        <p:attrNameLst>
+                                          <p:attrName>style.visibility</p:attrName>
+                                        </p:attrNameLst>
+                                      </p:cBhvr>
+                                      <p:to>
+                                        <p:strVal val="visible"/>
+                                      </p:to>
+                                    </p:set>
+                                  </p:childTnLst>
+                                </p:cTn>
+                              </p:par>
+                            </p:childTnLst>
+                          </p:cTn>
+                        </p:par>
+                      </p:childTnLst>
+                    </p:cTn>
+                  </p:par>
+                  <p:par>
+                    <p:cTn id="7" fill="hold">
+                      <p:stCondLst>
+                        <p:cond delay="indefinite"/>
+                      </p:stCondLst>
+                      <p:childTnLst>
+                        <p:par>
+                          <p:cTn id="8" fill="hold">
+                            <p:stCondLst>
+                              <p:cond delay="0"/>
+                            </p:stCondLst>
+                            <p:childTnLst>
+                              <p:par>
+                                <p:cTn id="9" presetID="1" presetClass="entr" presetSubtype="0" fill="hold" nodeType="clickEffect">
+                                  <p:stCondLst>
+                                    <p:cond delay="0"/>
+                                  </p:stCondLst>
+                                  <p:iterate type="lt">
+                                    <p:tmAbs val="0"/>
+                                  </p:iterate>
+                                  <p:childTnLst>
+                                    <p:set>
+                                      <p:cBhvr>
+                                        <p:cTn id="10" dur="1" fill="hold">
+                                          <p:stCondLst>
+                                            <p:cond delay="0"/>
+                                          </p:stCondLst>
+                                        </p:cTn>
+                                        <p:tgtEl>
+                                          <p:spTgt spid="3">
+                                            <p:txEl>
+                                              <p:pRg st="1" end="1"/>
+                                            </p:txEl>
+                                          </p:spTgt>
+                                        </p:tgtEl>
+                                        <p:attrNameLst>
+                                          <p:attrName>style.visibility</p:attrName>
+                                        </p:attrNameLst>
+                                      </p:cBhvr>
+                                      <p:to>
+                                        <p:strVal val="visible"/>
+                                      </p:to>
+                                    </p:set>
+                                  </p:childTnLst>
+                                </p:cTn>
+                              </p:par>
+                              <p:par>
+                                <p:cTn id="11" presetID="1" presetClass="entr" presetSubtype="0" fill="hold" nodeType="withEffect">
+                                  <p:stCondLst>
+                                    <p:cond delay="0"/>
+                                  </p:stCondLst>
+                                  <p:iterate type="lt">
+                                    <p:tmAbs val="0"/>
+                                  </p:iterate>
+                                  <p:childTnLst>
+                                    <p:set>
+                                      <p:cBhvr>
+                                        <p:cTn id="12" dur="1" fill="hold">
+                                          <p:stCondLst>
+                                            <p:cond delay="0"/>
+                                          </p:stCondLst>
+                                        </p:cTn>
+                                        <p:tgtEl>
+                                          <p:spTgt spid="3">
+                                            <p:txEl>
+                                              <p:pRg st="2" end="2"/>
+                                            </p:txEl>
+                                          </p:spTgt>
+                                        </p:tgtEl>
+                                        <p:attrNameLst>
+                                          <p:attrName>style.visibility</p:attrName>
+                                        </p:attrNameLst>
+                                      </p:cBhvr>
+                                      <p:to>
+                                        <p:strVal val="visible"/>
+                                      </p:to>
+                                    </p:set>
+                                  </p:childTnLst>
+                                </p:cTn>
+                              </p:par>
+                            </p:childTnLst>
+                          </p:cTn>
+                        </p:par>
+                      </p:childTnLst>
+                    </p:cTn>
+                  </p:par>
+                  <p:par>
+                    <p:cTn id="13" fill="hold">
+                      <p:stCondLst>
+                        <p:cond delay="indefinite"/>
+                      </p:stCondLst>
+                      <p:childTnLst>
+                        <p:par>
+                          <p:cTn id="14" fill="hold">
+                            <p:stCondLst>
+                              <p:cond delay="0"/>
+                            </p:stCondLst>
+                            <p:childTnLst>
+                              <p:par>
+                                <p:cTn id="15" presetID="1" presetClass="entr" presetSubtype="0" fill="hold" nodeType="clickEffect">
+                                  <p:stCondLst>
+                                    <p:cond delay="0"/>
+                                  </p:stCondLst>
+                                  <p:childTnLst>
+                                    <p:set>
+                                      <p:cBhvr>
+                                        <p:cTn id="16" dur="1" fill="hold">
+                                          <p:stCondLst>
+                                            <p:cond delay="0"/>
+                                          </p:stCondLst>
+                                        </p:cTn>
+                                        <p:tgtEl>
+                                          <p:spTgt spid="3">
+                                            <p:txEl>
+                                              <p:pRg st="3" end="3"/>
+                                            </p:txEl>
+                                          </p:spTgt>
+                                        </p:tgtEl>
+                                        <p:attrNameLst>
+                                          <p:attrName>style.visibility</p:attrName>
+                                        </p:attrNameLst>
+                                      </p:cBhvr>
+                                      <p:to>
+                                        <p:strVal val="visible"/>
+                                      </p:to>
+                                    </p:set>
+                                  </p:childTnLst>
+                                </p:cTn>
+                              </p:par>
+                              <p:par>
+                                <p:cTn id="17" presetID="1" presetClass="entr" presetSubtype="0" fill="hold" nodeType="withEffect">
+                                  <p:stCondLst>
+                                    <p:cond delay="0"/>
+                                  </p:stCondLst>
+                                  <p:childTnLst>
+                                    <p:set>
+                                      <p:cBhvr>
+                                        <p:cTn id="18" dur="1" fill="hold">
+                                          <p:stCondLst>
+                                            <p:cond delay="0"/>
+                                          </p:stCondLst>
+                                        </p:cTn>
+                                        <p:tgtEl>
+                                          <p:spTgt spid="3">
+                                            <p:txEl>
+                                              <p:pRg st="4" end="4"/>
+                                            </p:txEl>
+                                          </p:spTgt>
+                                        </p:tgtEl>
+                                        <p:attrNameLst>
+                                          <p:attrName>style.visibility</p:attrName>
+                                        </p:attrNameLst>
+                                      </p:cBhvr>
+                                      <p:to>
+                                        <p:strVal val="visible"/>
+                                      </p:to>
+                                    </p:set>
+                                  </p:childTnLst>
+                                </p:cTn>
+                              </p:par>
+                            </p:childTnLst>
+                          </p:cTn>
+                        </p:par>
+                      </p:childTnLst>
+                    </p:cTn>
+                  </p:par>
+                  <p:par>
+                    <p:cTn id="19" fill="hold">
+                      <p:stCondLst>
+                        <p:cond delay="indefinite"/>
+                      </p:stCondLst>
+                      <p:childTnLst>
+                        <p:par>
+                          <p:cTn id="20" fill="hold">
+                            <p:stCondLst>
+                              <p:cond delay="0"/>
+                            </p:stCondLst>
+                            <p:childTnLst>
+                              <p:par>
+                                <p:cTn id="21" presetID="1" presetClass="entr" presetSubtype="0" fill="hold" nodeType="clickEffect">
+                                  <p:stCondLst>
+                                    <p:cond delay="0"/>
+                                  </p:stCondLst>
+                                  <p:childTnLst>
+                                    <p:set>
+                                      <p:cBhvr>
+                                        <p:cTn id="22" dur="1" fill="hold">
+                                          <p:stCondLst>
+                                            <p:cond delay="0"/>
+                                          </p:stCondLst>
+                                        </p:cTn>
+                                        <p:tgtEl>
+                                          <p:spTgt spid="3">
+                                            <p:txEl>
+                                              <p:pRg st="5" end="5"/>
+                                            </p:txEl>
+                                          </p:spTgt>
+                                        </p:tgtEl>
+                                        <p:attrNameLst>
+                                          <p:attrName>style.visibility</p:attrName>
+                                        </p:attrNameLst>
+                                      </p:cBhvr>
+                                      <p:to>
+                                        <p:strVal val="visible"/>
+                                      </p:to>
+                                    </p:set>
+                                  </p:childTnLst>
+                                </p:cTn>
+                              </p:par>
+                              <p:par>
+                                <p:cTn id="23" presetID="1" presetClass="entr" presetSubtype="0" fill="hold" nodeType="withEffect">
+                                  <p:stCondLst>
+                                    <p:cond delay="0"/>
+                                  </p:stCondLst>
+                                  <p:childTnLst>
+                                    <p:set>
+                                      <p:cBhvr>
+                                        <p:cTn id="24" dur="1" fill="hold">
+                                          <p:stCondLst>
+                                            <p:cond delay="0"/>
+                                          </p:stCondLst>
+                                        </p:cTn>
+                                        <p:tgtEl>
+                                          <p:spTgt spid="3">
+                                            <p:txEl>
+                                              <p:pRg st="6" end="6"/>
+                                            </p:txEl>
+                                          </p:spTgt>
+                                        </p:tgtEl>
+                                        <p:attrNameLst>
+                                          <p:attrName>style.visibility</p:attrName>
+                                        </p:attrNameLst>
+                                      </p:cBhvr>
+                                      <p:to>
+                                        <p:strVal val="visible"/>
+                                      </p:to>
+                                    </p:set>
+                                  </p:childTnLst>
+                                </p:cTn>
+                              </p:par>
+                            </p:childTnLst>
+                          </p:cTn>
+                        </p:par>
+                      </p:childTnLst>
+                    </p:cTn>
+                  </p:par>
+                  <p:par>
+                    <p:cTn id="25" fill="hold">
+                      <p:stCondLst>
+                        <p:cond delay="indefinite"/>
+                      </p:stCondLst>
+                      <p:childTnLst>
+                        <p:par>
+                          <p:cTn id="26" fill="hold">
+                            <p:stCondLst>
+                              <p:cond delay="0"/>
+                            </p:stCondLst>
+                            <p:childTnLst>
+                              <p:par>
+                                <p:cTn id="27" presetID="1" presetClass="entr" presetSubtype="0" fill="hold" nodeType="clickEffect">
+                                  <p:stCondLst>
+                                    <p:cond delay="0"/>
+                                  </p:stCondLst>
+                                  <p:childTnLst>
+                                    <p:set>
+                                      <p:cBhvr>
+                                        <p:cTn id="28" dur="1" fill="hold">
+                                          <p:stCondLst>
+                                            <p:cond delay="0"/>
+                                          </p:stCondLst>
+                                        </p:cTn>
+                                        <p:tgtEl>
+                                          <p:spTgt spid="3">
+                                            <p:txEl>
+                                              <p:pRg st="7" end="7"/>
+                                            </p:txEl>
+                                          </p:spTgt>
+                                        </p:tgtEl>
+                                        <p:attrNameLst>
+                                          <p:attrName>style.visibility</p:attrName>
+                                        </p:attrNameLst>
+                                      </p:cBhvr>
+                                      <p:to>
+                                        <p:strVal val="visible"/>
+                                      </p:to>
+                                    </p:set>
+                                  </p:childTnLst>
+                                </p:cTn>
+                              </p:par>
+                              <p:par>
+                                <p:cTn id="29" presetID="1" presetClass="entr" presetSubtype="0" fill="hold" nodeType="withEffect">
+                                  <p:stCondLst>
+                                    <p:cond delay="0"/>
+                                  </p:stCondLst>
+                                  <p:childTnLst>
+                                    <p:set>
+                                      <p:cBhvr>
+                                        <p:cTn id="30" dur="1" fill="hold">
+                                          <p:stCondLst>
+                                            <p:cond delay="0"/>
+                                          </p:stCondLst>
+                                        </p:cTn>
+                                        <p:tgtEl>
+                                          <p:spTgt spid="3">
+                                            <p:txEl>
+                                              <p:pRg st="8" end="8"/>
+                                            </p:txEl>
+                                          </p:spTgt>
+                                        </p:tgtEl>
+                                        <p:attrNameLst>
+                                          <p:attrName>style.visibility</p:attrName>
+                                        </p:attrNameLst>
+                                      </p:cBhvr>
+                                      <p:to>
+                                        <p:strVal val="visible"/>
+                                      </p:to>
+                                    </p:set>
+                                  </p:childTnLst>
+                                </p:cTn>
+                              </p:par>
+                            </p:childTnLst>
+                          </p:cTn>
+                        </p:par>
+                      </p:childTnLst>
+                    </p:cTn>
+                  </p:par>
+                  <p:par>
+                    <p:cTn id="31" fill="hold">
+                      <p:stCondLst>
+                        <p:cond delay="indefinite"/>
+                      </p:stCondLst>
+                      <p:childTnLst>
+                        <p:par>
+                          <p:cTn id="32" fill="hold">
+                            <p:stCondLst>
+                              <p:cond delay="0"/>
+                            </p:stCondLst>
+                            <p:childTnLst>
+                              <p:par>
+                                <p:cTn id="33" presetID="15" presetClass="emph" presetSubtype="0" nodeType="clickEffect">
+                                  <p:stCondLst>
+                                    <p:cond delay="0"/>
+                                  </p:stCondLst>
+                                  <p:iterate type="lt">
+                                    <p:tmAbs val="25"/>
+                                  </p:iterate>
+                                  <p:childTnLst>
+                                    <p:set>
+                                      <p:cBhvr override="childStyle">
+                                        <p:cTn id="34" dur="indefinite"/>
+                                        <p:tgtEl>
+                                          <p:spTgt spid="3">
+                                            <p:txEl>
+                                              <p:pRg st="1" end="1"/>
+                                            </p:txEl>
+                                          </p:spTgt>
+                                        </p:tgtEl>
+                                        <p:attrNameLst>
+                                          <p:attrName>style.fontWeight</p:attrName>
+                                        </p:attrNameLst>
+                                      </p:cBhvr>
+                                      <p:to>
+                                        <p:strVal val="bold"/>
+                                      </p:to>
+                                    </p:set>
+                                  </p:childTnLst>
+                                </p:cTn>
+                              </p:par>
+                              <p:par>
+                                <p:cTn id="35" presetID="15" presetClass="emph" presetSubtype="0" nodeType="withEffect">
+                                  <p:stCondLst>
+                                    <p:cond delay="0"/>
+                                  </p:stCondLst>
+                                  <p:iterate type="lt">
+                                    <p:tmAbs val="25"/>
+                                  </p:iterate>
+                                  <p:childTnLst>
+                                    <p:set>
+                                      <p:cBhvr override="childStyle">
+                                        <p:cTn id="36" dur="indefinite"/>
+                                        <p:tgtEl>
+                                          <p:spTgt spid="3">
+                                            <p:txEl>
+                                              <p:pRg st="2" end="2"/>
+                                            </p:txEl>
+                                          </p:spTgt>
+                                        </p:tgtEl>
+                                        <p:attrNameLst>
+                                          <p:attrName>style.fontWeight</p:attrName>
+                                        </p:attrNameLst>
+                                      </p:cBhvr>
+                                      <p:to>
+                                        <p:strVal val="bold"/>
+                                      </p:to>
+                                    </p:set>
+                                  </p:childTnLst>
+                                </p:cTn>
+                              </p:par>
+                            </p:childTnLst>
+                          </p:cTn>
+                        </p:par>
+                      </p:childTnLst>
+                    </p:cTn>
+                  </p:par>
+                </p:childTnLst>
+              </p:cTn>
+              <p:prevCondLst>
+                <p:cond evt="onPrev" delay="0">
+                  <p:tgtEl>
+                    <p:sldTgt/>
+                  </p:tgtEl>
+                </p:cond>
+              </p:prevCondLst>
+              <p:nextCondLst>
+                <p:cond evt="onNext" delay="0">
+                  <p:tgtEl>
+                    <p:sldTgt/>
+                  </p:tgtEl>
+                </p:cond>
+              </p:nextCondLst>
+            </p:seq>
+          </p:childTnLst>
+        </p:cTn>
+      </p:par>
+    </p:tnLst>
+  </p:timing>
+</p:sld>
+</file>
+
+<file path=ppt/slides/slide18.xml><?xml version="1.0" encoding="utf-8"?>
+<p:sld xmlns:a="http://schemas.openxmlformats.org/drawingml/2006/main" xmlns:r="http://schemas.openxmlformats.org/officeDocument/2006/relationships" xmlns:p="http://schemas.openxmlformats.org/presentationml/2006/main">
+  <p:cSld>
+    <p:spTree>
+      <p:nvGrpSpPr>
+        <p:cNvPr id="1" name=""/>
+        <p:cNvGrpSpPr/>
+        <p:nvPr/>
+      </p:nvGrpSpPr>
+      <p:grpSpPr>
+        <a:xfrm>
+          <a:off x="0" y="0"/>
+          <a:ext cx="0" cy="0"/>
+          <a:chOff x="0" y="0"/>
+          <a:chExt cx="0" cy="0"/>
+        </a:xfrm>
+      </p:grpSpPr>
+      <p:sp>
+        <p:nvSpPr>
+          <p:cNvPr id="2" name="Title 1">
+            <a:extLst>
+              <a:ext uri="{FF2B5EF4-FFF2-40B4-BE49-F238E27FC236}">
+                <a16:creationId xmlns:a16="http://schemas.microsoft.com/office/drawing/2014/main" id="{810F56A0-97BF-AA43-8CA6-50B224764A17}"/>
+              </a:ext>
+            </a:extLst>
+          </p:cNvPr>
+          <p:cNvSpPr>
+            <a:spLocks noGrp="1"/>
+          </p:cNvSpPr>
+          <p:nvPr>
+            <p:ph type="title"/>
+          </p:nvPr>
+        </p:nvSpPr>
+        <p:spPr/>
+        <p:txBody>
+          <a:bodyPr/>
+          <a:lstStyle/>
+          <a:p>
+            <a:r>
+              <a:rPr lang="en-US" dirty="0"/>
+              <a:t>Future Work</a:t>
+            </a:r>
+          </a:p>
+        </p:txBody>
+      </p:sp>
+      <p:sp>
+        <p:nvSpPr>
+          <p:cNvPr id="3" name="Text Placeholder 2">
+            <a:extLst>
+              <a:ext uri="{FF2B5EF4-FFF2-40B4-BE49-F238E27FC236}">
+                <a16:creationId xmlns:a16="http://schemas.microsoft.com/office/drawing/2014/main" id="{AB834945-7A2F-954F-A532-7761CB68E668}"/>
+              </a:ext>
+            </a:extLst>
+          </p:cNvPr>
+          <p:cNvSpPr>
+            <a:spLocks noGrp="1"/>
+          </p:cNvSpPr>
+          <p:nvPr>
+            <p:ph type="body" idx="1"/>
+          </p:nvPr>
+        </p:nvSpPr>
+        <p:spPr>
+          <a:xfrm>
+            <a:off x="893700" y="1215788"/>
+            <a:ext cx="6462600" cy="3710100"/>
+          </a:xfrm>
+        </p:spPr>
+        <p:txBody>
+          <a:bodyPr/>
+          <a:lstStyle/>
+          <a:p>
+            <a:r>
+              <a:rPr lang="en-US" dirty="0"/>
+              <a:t>Geographical data</a:t>
+            </a:r>
+          </a:p>
+          <a:p>
+            <a:r>
+              <a:rPr lang="en-US" dirty="0"/>
+              <a:t>Natural resources data</a:t>
+            </a:r>
+          </a:p>
+          <a:p>
+            <a:r>
+              <a:rPr lang="en-US" dirty="0"/>
+              <a:t>More economic data: income, minimum wage</a:t>
+            </a:r>
+          </a:p>
+          <a:p>
+            <a:r>
+              <a:rPr lang="en-US" dirty="0"/>
+              <a:t>More health data: health insurance, quality of healthcare</a:t>
+            </a:r>
+          </a:p>
+          <a:p>
+            <a:r>
+              <a:rPr lang="en-US" dirty="0"/>
+              <a:t>Larger dataset to split into training dataset and test/validation dataset to assess model accuracy</a:t>
+            </a:r>
+          </a:p>
+        </p:txBody>
+      </p:sp>
+      <p:sp>
+        <p:nvSpPr>
+          <p:cNvPr id="4" name="Slide Number Placeholder 3">
+            <a:extLst>
+              <a:ext uri="{FF2B5EF4-FFF2-40B4-BE49-F238E27FC236}">
+                <a16:creationId xmlns:a16="http://schemas.microsoft.com/office/drawing/2014/main" id="{101E593A-D11C-214E-8C8E-E85E2B3A40D8}"/>
+              </a:ext>
+            </a:extLst>
+          </p:cNvPr>
+          <p:cNvSpPr>
+            <a:spLocks noGrp="1"/>
+          </p:cNvSpPr>
+          <p:nvPr>
+            <p:ph type="sldNum" idx="12"/>
+          </p:nvPr>
+        </p:nvSpPr>
+        <p:spPr/>
+        <p:txBody>
+          <a:bodyPr/>
+          <a:lstStyle/>
+          <a:p>
+            <a:pPr marL="0" lvl="0" indent="0" algn="r" rtl="0">
+              <a:spcBef>
+                <a:spcPts val="0"/>
+              </a:spcBef>
+              <a:spcAft>
+                <a:spcPts val="0"/>
+              </a:spcAft>
+              <a:buNone/>
+            </a:pPr>
+            <a:fld id="{00000000-1234-1234-1234-123412341234}" type="slidenum">
+              <a:rPr lang="en" smtClean="0"/>
+              <a:t>18</a:t>
+            </a:fld>
+            <a:endParaRPr lang="en"/>
+          </a:p>
+        </p:txBody>
+      </p:sp>
+    </p:spTree>
+    <p:extLst>
+      <p:ext uri="{BB962C8B-B14F-4D97-AF65-F5344CB8AC3E}">
+        <p14:creationId xmlns:p14="http://schemas.microsoft.com/office/powerpoint/2010/main" val="1562128262"/>
+      </p:ext>
+    </p:extLst>
+  </p:cSld>
+  <p:clrMapOvr>
+    <a:masterClrMapping/>
+  </p:clrMapOvr>
+</p:sld>
+</file>
+
+<file path=ppt/slides/slide19.xml><?xml version="1.0" encoding="utf-8"?>
+<p:sld xmlns:a="http://schemas.openxmlformats.org/drawingml/2006/main" xmlns:r="http://schemas.openxmlformats.org/officeDocument/2006/relationships" xmlns:p="http://schemas.openxmlformats.org/presentationml/2006/main">
+  <p:cSld>
+    <p:spTree>
+      <p:nvGrpSpPr>
+        <p:cNvPr id="1" name=""/>
+        <p:cNvGrpSpPr/>
+        <p:nvPr/>
+      </p:nvGrpSpPr>
+      <p:grpSpPr>
+        <a:xfrm>
+          <a:off x="0" y="0"/>
+          <a:ext cx="0" cy="0"/>
+          <a:chOff x="0" y="0"/>
+          <a:chExt cx="0" cy="0"/>
+        </a:xfrm>
+      </p:grpSpPr>
+      <p:sp>
+        <p:nvSpPr>
+          <p:cNvPr id="2" name="Title 1">
+            <a:extLst>
+              <a:ext uri="{FF2B5EF4-FFF2-40B4-BE49-F238E27FC236}">
+                <a16:creationId xmlns:a16="http://schemas.microsoft.com/office/drawing/2014/main" id="{84CF51E9-1255-2345-9AA2-9AB4620F8F37}"/>
+              </a:ext>
+            </a:extLst>
+          </p:cNvPr>
+          <p:cNvSpPr>
+            <a:spLocks noGrp="1"/>
+          </p:cNvSpPr>
+          <p:nvPr>
+            <p:ph type="title"/>
+          </p:nvPr>
+        </p:nvSpPr>
+        <p:spPr/>
+        <p:txBody>
+          <a:bodyPr/>
+          <a:lstStyle/>
+          <a:p>
+            <a:r>
+              <a:rPr lang="en-US" dirty="0"/>
+              <a:t>Questions?</a:t>
+            </a:r>
+          </a:p>
+        </p:txBody>
+      </p:sp>
+      <p:sp>
+        <p:nvSpPr>
+          <p:cNvPr id="4" name="Slide Number Placeholder 3">
+            <a:extLst>
+              <a:ext uri="{FF2B5EF4-FFF2-40B4-BE49-F238E27FC236}">
+                <a16:creationId xmlns:a16="http://schemas.microsoft.com/office/drawing/2014/main" id="{294CDA79-87A3-AC4E-8AE1-8FACDE887FA0}"/>
+              </a:ext>
+            </a:extLst>
+          </p:cNvPr>
+          <p:cNvSpPr>
+            <a:spLocks noGrp="1"/>
+          </p:cNvSpPr>
+          <p:nvPr>
+            <p:ph type="sldNum" idx="12"/>
+          </p:nvPr>
+        </p:nvSpPr>
+        <p:spPr/>
+        <p:txBody>
+          <a:bodyPr/>
+          <a:lstStyle/>
+          <a:p>
+            <a:pPr marL="0" lvl="0" indent="0" algn="r" rtl="0">
+              <a:spcBef>
+                <a:spcPts val="0"/>
+              </a:spcBef>
+              <a:spcAft>
+                <a:spcPts val="0"/>
+              </a:spcAft>
+              <a:buNone/>
+            </a:pPr>
+            <a:fld id="{00000000-1234-1234-1234-123412341234}" type="slidenum">
+              <a:rPr lang="en" smtClean="0"/>
               <a:t>19</a:t>
             </a:fld>
             <a:endParaRPr lang="en"/>
@@ -7271,7 +7717,7 @@
     </p:spTree>
     <p:extLst>
       <p:ext uri="{BB962C8B-B14F-4D97-AF65-F5344CB8AC3E}">
-        <p14:creationId xmlns:p14="http://schemas.microsoft.com/office/powerpoint/2010/main" val="1255641799"/>
+        <p14:creationId xmlns:p14="http://schemas.microsoft.com/office/powerpoint/2010/main" val="2276290881"/>
       </p:ext>
     </p:extLst>
   </p:cSld>
@@ -7460,255 +7906,6 @@
           <p:cNvPr id="2" name="Title 1">
             <a:extLst>
               <a:ext uri="{FF2B5EF4-FFF2-40B4-BE49-F238E27FC236}">
-                <a16:creationId xmlns:a16="http://schemas.microsoft.com/office/drawing/2014/main" id="{810F56A0-97BF-AA43-8CA6-50B224764A17}"/>
-              </a:ext>
-            </a:extLst>
-          </p:cNvPr>
-          <p:cNvSpPr>
-            <a:spLocks noGrp="1"/>
-          </p:cNvSpPr>
-          <p:nvPr>
-            <p:ph type="title"/>
-          </p:nvPr>
-        </p:nvSpPr>
-        <p:spPr/>
-        <p:txBody>
-          <a:bodyPr/>
-          <a:lstStyle/>
-          <a:p>
-            <a:r>
-              <a:rPr lang="en-US" dirty="0"/>
-              <a:t>Future Work</a:t>
-            </a:r>
-          </a:p>
-        </p:txBody>
-      </p:sp>
-      <p:sp>
-        <p:nvSpPr>
-          <p:cNvPr id="3" name="Text Placeholder 2">
-            <a:extLst>
-              <a:ext uri="{FF2B5EF4-FFF2-40B4-BE49-F238E27FC236}">
-                <a16:creationId xmlns:a16="http://schemas.microsoft.com/office/drawing/2014/main" id="{AB834945-7A2F-954F-A532-7761CB68E668}"/>
-              </a:ext>
-            </a:extLst>
-          </p:cNvPr>
-          <p:cNvSpPr>
-            <a:spLocks noGrp="1"/>
-          </p:cNvSpPr>
-          <p:nvPr>
-            <p:ph type="body" idx="1"/>
-          </p:nvPr>
-        </p:nvSpPr>
-        <p:spPr>
-          <a:xfrm>
-            <a:off x="893700" y="1215788"/>
-            <a:ext cx="6462600" cy="3710100"/>
-          </a:xfrm>
-        </p:spPr>
-        <p:txBody>
-          <a:bodyPr/>
-          <a:lstStyle/>
-          <a:p>
-            <a:r>
-              <a:rPr lang="en-US" dirty="0"/>
-              <a:t>Geographical data</a:t>
-            </a:r>
-          </a:p>
-          <a:p>
-            <a:r>
-              <a:rPr lang="en-US" dirty="0"/>
-              <a:t>Natural resources data</a:t>
-            </a:r>
-          </a:p>
-          <a:p>
-            <a:r>
-              <a:rPr lang="en-US" dirty="0"/>
-              <a:t>More economic data: income, minimum wage</a:t>
-            </a:r>
-          </a:p>
-          <a:p>
-            <a:r>
-              <a:rPr lang="en-US" dirty="0"/>
-              <a:t>More health data: health insurance, quality of healthcare</a:t>
-            </a:r>
-          </a:p>
-          <a:p>
-            <a:r>
-              <a:rPr lang="en-US" dirty="0"/>
-              <a:t>Larger dataset to split into training dataset and test/validation dataset to assess model accuracy</a:t>
-            </a:r>
-          </a:p>
-        </p:txBody>
-      </p:sp>
-      <p:sp>
-        <p:nvSpPr>
-          <p:cNvPr id="4" name="Slide Number Placeholder 3">
-            <a:extLst>
-              <a:ext uri="{FF2B5EF4-FFF2-40B4-BE49-F238E27FC236}">
-                <a16:creationId xmlns:a16="http://schemas.microsoft.com/office/drawing/2014/main" id="{101E593A-D11C-214E-8C8E-E85E2B3A40D8}"/>
-              </a:ext>
-            </a:extLst>
-          </p:cNvPr>
-          <p:cNvSpPr>
-            <a:spLocks noGrp="1"/>
-          </p:cNvSpPr>
-          <p:nvPr>
-            <p:ph type="sldNum" idx="12"/>
-          </p:nvPr>
-        </p:nvSpPr>
-        <p:spPr/>
-        <p:txBody>
-          <a:bodyPr/>
-          <a:lstStyle/>
-          <a:p>
-            <a:pPr marL="0" lvl="0" indent="0" algn="r" rtl="0">
-              <a:spcBef>
-                <a:spcPts val="0"/>
-              </a:spcBef>
-              <a:spcAft>
-                <a:spcPts val="0"/>
-              </a:spcAft>
-              <a:buNone/>
-            </a:pPr>
-            <a:fld id="{00000000-1234-1234-1234-123412341234}" type="slidenum">
-              <a:rPr lang="en" smtClean="0"/>
-              <a:t>20</a:t>
-            </a:fld>
-            <a:endParaRPr lang="en"/>
-          </a:p>
-        </p:txBody>
-      </p:sp>
-    </p:spTree>
-    <p:extLst>
-      <p:ext uri="{BB962C8B-B14F-4D97-AF65-F5344CB8AC3E}">
-        <p14:creationId xmlns:p14="http://schemas.microsoft.com/office/powerpoint/2010/main" val="1562128262"/>
-      </p:ext>
-    </p:extLst>
-  </p:cSld>
-  <p:clrMapOvr>
-    <a:masterClrMapping/>
-  </p:clrMapOvr>
-</p:sld>
-</file>
-
-<file path=ppt/slides/slide21.xml><?xml version="1.0" encoding="utf-8"?>
-<p:sld xmlns:a="http://schemas.openxmlformats.org/drawingml/2006/main" xmlns:r="http://schemas.openxmlformats.org/officeDocument/2006/relationships" xmlns:p="http://schemas.openxmlformats.org/presentationml/2006/main">
-  <p:cSld>
-    <p:spTree>
-      <p:nvGrpSpPr>
-        <p:cNvPr id="1" name=""/>
-        <p:cNvGrpSpPr/>
-        <p:nvPr/>
-      </p:nvGrpSpPr>
-      <p:grpSpPr>
-        <a:xfrm>
-          <a:off x="0" y="0"/>
-          <a:ext cx="0" cy="0"/>
-          <a:chOff x="0" y="0"/>
-          <a:chExt cx="0" cy="0"/>
-        </a:xfrm>
-      </p:grpSpPr>
-      <p:sp>
-        <p:nvSpPr>
-          <p:cNvPr id="2" name="Title 1">
-            <a:extLst>
-              <a:ext uri="{FF2B5EF4-FFF2-40B4-BE49-F238E27FC236}">
-                <a16:creationId xmlns:a16="http://schemas.microsoft.com/office/drawing/2014/main" id="{84CF51E9-1255-2345-9AA2-9AB4620F8F37}"/>
-              </a:ext>
-            </a:extLst>
-          </p:cNvPr>
-          <p:cNvSpPr>
-            <a:spLocks noGrp="1"/>
-          </p:cNvSpPr>
-          <p:nvPr>
-            <p:ph type="title"/>
-          </p:nvPr>
-        </p:nvSpPr>
-        <p:spPr/>
-        <p:txBody>
-          <a:bodyPr/>
-          <a:lstStyle/>
-          <a:p>
-            <a:r>
-              <a:rPr lang="en-US" dirty="0"/>
-              <a:t>Questions?</a:t>
-            </a:r>
-          </a:p>
-        </p:txBody>
-      </p:sp>
-      <p:sp>
-        <p:nvSpPr>
-          <p:cNvPr id="4" name="Slide Number Placeholder 3">
-            <a:extLst>
-              <a:ext uri="{FF2B5EF4-FFF2-40B4-BE49-F238E27FC236}">
-                <a16:creationId xmlns:a16="http://schemas.microsoft.com/office/drawing/2014/main" id="{294CDA79-87A3-AC4E-8AE1-8FACDE887FA0}"/>
-              </a:ext>
-            </a:extLst>
-          </p:cNvPr>
-          <p:cNvSpPr>
-            <a:spLocks noGrp="1"/>
-          </p:cNvSpPr>
-          <p:nvPr>
-            <p:ph type="sldNum" idx="12"/>
-          </p:nvPr>
-        </p:nvSpPr>
-        <p:spPr/>
-        <p:txBody>
-          <a:bodyPr/>
-          <a:lstStyle/>
-          <a:p>
-            <a:pPr marL="0" lvl="0" indent="0" algn="r" rtl="0">
-              <a:spcBef>
-                <a:spcPts val="0"/>
-              </a:spcBef>
-              <a:spcAft>
-                <a:spcPts val="0"/>
-              </a:spcAft>
-              <a:buNone/>
-            </a:pPr>
-            <a:fld id="{00000000-1234-1234-1234-123412341234}" type="slidenum">
-              <a:rPr lang="en" smtClean="0"/>
-              <a:t>21</a:t>
-            </a:fld>
-            <a:endParaRPr lang="en"/>
-          </a:p>
-        </p:txBody>
-      </p:sp>
-    </p:spTree>
-    <p:extLst>
-      <p:ext uri="{BB962C8B-B14F-4D97-AF65-F5344CB8AC3E}">
-        <p14:creationId xmlns:p14="http://schemas.microsoft.com/office/powerpoint/2010/main" val="2276290881"/>
-      </p:ext>
-    </p:extLst>
-  </p:cSld>
-  <p:clrMapOvr>
-    <a:masterClrMapping/>
-  </p:clrMapOvr>
-</p:sld>
-</file>
-
-<file path=ppt/slides/slide22.xml><?xml version="1.0" encoding="utf-8"?>
-<p:sld xmlns:a="http://schemas.openxmlformats.org/drawingml/2006/main" xmlns:r="http://schemas.openxmlformats.org/officeDocument/2006/relationships" xmlns:p="http://schemas.openxmlformats.org/presentationml/2006/main">
-  <p:cSld>
-    <p:spTree>
-      <p:nvGrpSpPr>
-        <p:cNvPr id="1" name=""/>
-        <p:cNvGrpSpPr/>
-        <p:nvPr/>
-      </p:nvGrpSpPr>
-      <p:grpSpPr>
-        <a:xfrm>
-          <a:off x="0" y="0"/>
-          <a:ext cx="0" cy="0"/>
-          <a:chOff x="0" y="0"/>
-          <a:chExt cx="0" cy="0"/>
-        </a:xfrm>
-      </p:grpSpPr>
-      <p:sp>
-        <p:nvSpPr>
-          <p:cNvPr id="2" name="Title 1">
-            <a:extLst>
-              <a:ext uri="{FF2B5EF4-FFF2-40B4-BE49-F238E27FC236}">
                 <a16:creationId xmlns:a16="http://schemas.microsoft.com/office/drawing/2014/main" id="{87B3E7C9-A79E-7440-B0B9-7F0BB50A9ADD}"/>
               </a:ext>
             </a:extLst>
@@ -7769,7 +7966,7 @@
             </a:pPr>
             <a:fld id="{00000000-1234-1234-1234-123412341234}" type="slidenum">
               <a:rPr lang="en" smtClean="0"/>
-              <a:t>22</a:t>
+              <a:t>20</a:t>
             </a:fld>
             <a:endParaRPr lang="en"/>
           </a:p>
@@ -7818,7 +8015,7 @@
 </p:sld>
 </file>
 
-<file path=ppt/slides/slide23.xml><?xml version="1.0" encoding="utf-8"?>
+<file path=ppt/slides/slide21.xml><?xml version="1.0" encoding="utf-8"?>
 <p:sld xmlns:a="http://schemas.openxmlformats.org/drawingml/2006/main" xmlns:r="http://schemas.openxmlformats.org/officeDocument/2006/relationships" xmlns:p="http://schemas.openxmlformats.org/presentationml/2006/main">
   <p:cSld>
     <p:spTree>
@@ -7895,7 +8092,7 @@
             </a:pPr>
             <a:fld id="{00000000-1234-1234-1234-123412341234}" type="slidenum">
               <a:rPr lang="en" smtClean="0"/>
-              <a:t>23</a:t>
+              <a:t>21</a:t>
             </a:fld>
             <a:endParaRPr lang="en"/>
           </a:p>
@@ -7944,7 +8141,7 @@
 </p:sld>
 </file>
 
-<file path=ppt/slides/slide24.xml><?xml version="1.0" encoding="utf-8"?>
+<file path=ppt/slides/slide22.xml><?xml version="1.0" encoding="utf-8"?>
 <p:sld xmlns:a="http://schemas.openxmlformats.org/drawingml/2006/main" xmlns:r="http://schemas.openxmlformats.org/officeDocument/2006/relationships" xmlns:p="http://schemas.openxmlformats.org/presentationml/2006/main">
   <p:cSld>
     <p:spTree>
@@ -8021,7 +8218,7 @@
             </a:pPr>
             <a:fld id="{00000000-1234-1234-1234-123412341234}" type="slidenum">
               <a:rPr lang="en" smtClean="0"/>
-              <a:t>24</a:t>
+              <a:t>22</a:t>
             </a:fld>
             <a:endParaRPr lang="en"/>
           </a:p>
@@ -8070,7 +8267,7 @@
 </p:sld>
 </file>
 
-<file path=ppt/slides/slide25.xml><?xml version="1.0" encoding="utf-8"?>
+<file path=ppt/slides/slide23.xml><?xml version="1.0" encoding="utf-8"?>
 <p:sld xmlns:a="http://schemas.openxmlformats.org/drawingml/2006/main" xmlns:r="http://schemas.openxmlformats.org/officeDocument/2006/relationships" xmlns:p="http://schemas.openxmlformats.org/presentationml/2006/main">
   <p:cSld>
     <p:spTree>
@@ -8147,7 +8344,7 @@
             </a:pPr>
             <a:fld id="{00000000-1234-1234-1234-123412341234}" type="slidenum">
               <a:rPr lang="en" smtClean="0"/>
-              <a:t>25</a:t>
+              <a:t>23</a:t>
             </a:fld>
             <a:endParaRPr lang="en"/>
           </a:p>
@@ -8196,7 +8393,7 @@
 </p:sld>
 </file>
 
-<file path=ppt/slides/slide26.xml><?xml version="1.0" encoding="utf-8"?>
+<file path=ppt/slides/slide24.xml><?xml version="1.0" encoding="utf-8"?>
 <p:sld xmlns:a="http://schemas.openxmlformats.org/drawingml/2006/main" xmlns:r="http://schemas.openxmlformats.org/officeDocument/2006/relationships" xmlns:p="http://schemas.openxmlformats.org/presentationml/2006/main">
   <p:cSld>
     <p:spTree>
@@ -8273,7 +8470,7 @@
             </a:pPr>
             <a:fld id="{00000000-1234-1234-1234-123412341234}" type="slidenum">
               <a:rPr lang="en" smtClean="0"/>
-              <a:t>26</a:t>
+              <a:t>24</a:t>
             </a:fld>
             <a:endParaRPr lang="en"/>
           </a:p>
@@ -9302,10 +9499,10 @@
       </p:sp>
       <p:pic>
         <p:nvPicPr>
-          <p:cNvPr id="6" name="Picture 5" descr="Chart&#10;&#10;Description automatically generated">
+          <p:cNvPr id="8" name="Picture 7" descr="Chart, bar chart&#10;&#10;Description automatically generated">
             <a:extLst>
               <a:ext uri="{FF2B5EF4-FFF2-40B4-BE49-F238E27FC236}">
-                <a16:creationId xmlns:a16="http://schemas.microsoft.com/office/drawing/2014/main" id="{38549A55-9A33-624B-B8CE-8B70BDF90A1C}"/>
+                <a16:creationId xmlns:a16="http://schemas.microsoft.com/office/drawing/2014/main" id="{EC48DC24-1728-4A40-AAC8-88CEC217B868}"/>
               </a:ext>
             </a:extLst>
           </p:cNvPr>
@@ -9322,8 +9519,8 @@
         </p:blipFill>
         <p:spPr>
           <a:xfrm>
-            <a:off x="706657" y="1261393"/>
-            <a:ext cx="7730685" cy="3749040"/>
+            <a:off x="636042" y="1261393"/>
+            <a:ext cx="7270448" cy="3749040"/>
           </a:xfrm>
           <a:prstGeom prst="rect">
             <a:avLst/>
@@ -9344,137 +9541,6 @@
 </file>
 
 <file path=ppt/slides/slide6.xml><?xml version="1.0" encoding="utf-8"?>
-<p:sld xmlns:a="http://schemas.openxmlformats.org/drawingml/2006/main" xmlns:r="http://schemas.openxmlformats.org/officeDocument/2006/relationships" xmlns:p="http://schemas.openxmlformats.org/presentationml/2006/main">
-  <p:cSld>
-    <p:spTree>
-      <p:nvGrpSpPr>
-        <p:cNvPr id="1" name=""/>
-        <p:cNvGrpSpPr/>
-        <p:nvPr/>
-      </p:nvGrpSpPr>
-      <p:grpSpPr>
-        <a:xfrm>
-          <a:off x="0" y="0"/>
-          <a:ext cx="0" cy="0"/>
-          <a:chOff x="0" y="0"/>
-          <a:chExt cx="0" cy="0"/>
-        </a:xfrm>
-      </p:grpSpPr>
-      <p:sp>
-        <p:nvSpPr>
-          <p:cNvPr id="2" name="Title 1">
-            <a:extLst>
-              <a:ext uri="{FF2B5EF4-FFF2-40B4-BE49-F238E27FC236}">
-                <a16:creationId xmlns:a16="http://schemas.microsoft.com/office/drawing/2014/main" id="{A59CFADC-EDC4-DF4E-9E6B-4DE42631E298}"/>
-              </a:ext>
-            </a:extLst>
-          </p:cNvPr>
-          <p:cNvSpPr>
-            <a:spLocks noGrp="1"/>
-          </p:cNvSpPr>
-          <p:nvPr>
-            <p:ph type="title"/>
-          </p:nvPr>
-        </p:nvSpPr>
-        <p:spPr>
-          <a:xfrm>
-            <a:off x="893699" y="358388"/>
-            <a:ext cx="7867241" cy="857400"/>
-          </a:xfrm>
-        </p:spPr>
-        <p:txBody>
-          <a:bodyPr/>
-          <a:lstStyle/>
-          <a:p>
-            <a:r>
-              <a:rPr lang="en-US" dirty="0"/>
-              <a:t>Life expectancy vs alcohol consumption</a:t>
-            </a:r>
-          </a:p>
-        </p:txBody>
-      </p:sp>
-      <p:sp>
-        <p:nvSpPr>
-          <p:cNvPr id="4" name="Slide Number Placeholder 3">
-            <a:extLst>
-              <a:ext uri="{FF2B5EF4-FFF2-40B4-BE49-F238E27FC236}">
-                <a16:creationId xmlns:a16="http://schemas.microsoft.com/office/drawing/2014/main" id="{CBA15A53-6CAD-8243-A7C2-B3D60A43D29C}"/>
-              </a:ext>
-            </a:extLst>
-          </p:cNvPr>
-          <p:cNvSpPr>
-            <a:spLocks noGrp="1"/>
-          </p:cNvSpPr>
-          <p:nvPr>
-            <p:ph type="sldNum" idx="12"/>
-          </p:nvPr>
-        </p:nvSpPr>
-        <p:spPr/>
-        <p:txBody>
-          <a:bodyPr/>
-          <a:lstStyle/>
-          <a:p>
-            <a:pPr marL="0" lvl="0" indent="0" algn="r" rtl="0">
-              <a:spcBef>
-                <a:spcPts val="0"/>
-              </a:spcBef>
-              <a:spcAft>
-                <a:spcPts val="0"/>
-              </a:spcAft>
-              <a:buNone/>
-            </a:pPr>
-            <a:fld id="{00000000-1234-1234-1234-123412341234}" type="slidenum">
-              <a:rPr lang="en" smtClean="0"/>
-              <a:t>6</a:t>
-            </a:fld>
-            <a:endParaRPr lang="en"/>
-          </a:p>
-        </p:txBody>
-      </p:sp>
-      <p:pic>
-        <p:nvPicPr>
-          <p:cNvPr id="6" name="Picture 5" descr="Chart, scatter chart&#10;&#10;Description automatically generated">
-            <a:extLst>
-              <a:ext uri="{FF2B5EF4-FFF2-40B4-BE49-F238E27FC236}">
-                <a16:creationId xmlns:a16="http://schemas.microsoft.com/office/drawing/2014/main" id="{0A93AC53-ED3A-8745-87BA-92C7063765A5}"/>
-              </a:ext>
-            </a:extLst>
-          </p:cNvPr>
-          <p:cNvPicPr>
-            <a:picLocks noChangeAspect="1"/>
-          </p:cNvPicPr>
-          <p:nvPr/>
-        </p:nvPicPr>
-        <p:blipFill>
-          <a:blip r:embed="rId2"/>
-          <a:stretch>
-            <a:fillRect/>
-          </a:stretch>
-        </p:blipFill>
-        <p:spPr>
-          <a:xfrm>
-            <a:off x="706657" y="1261393"/>
-            <a:ext cx="7730686" cy="3749040"/>
-          </a:xfrm>
-          <a:prstGeom prst="rect">
-            <a:avLst/>
-          </a:prstGeom>
-        </p:spPr>
-      </p:pic>
-    </p:spTree>
-    <p:extLst>
-      <p:ext uri="{BB962C8B-B14F-4D97-AF65-F5344CB8AC3E}">
-        <p14:creationId xmlns:p14="http://schemas.microsoft.com/office/powerpoint/2010/main" val="836937699"/>
-      </p:ext>
-    </p:extLst>
-  </p:cSld>
-  <p:clrMapOvr>
-    <a:masterClrMapping/>
-  </p:clrMapOvr>
-</p:sld>
-</file>
-
-<file path=ppt/slides/slide7.xml><?xml version="1.0" encoding="utf-8"?>
 <p:sld xmlns:a="http://schemas.openxmlformats.org/drawingml/2006/main" xmlns:r="http://schemas.openxmlformats.org/officeDocument/2006/relationships" xmlns:p="http://schemas.openxmlformats.org/presentationml/2006/main">
   <p:cSld>
     <p:spTree>
@@ -9556,7 +9622,7 @@
             </a:pPr>
             <a:fld id="{00000000-1234-1234-1234-123412341234}" type="slidenum">
               <a:rPr lang="en" smtClean="0"/>
-              <a:t>7</a:t>
+              <a:t>6</a:t>
             </a:fld>
             <a:endParaRPr lang="en"/>
           </a:p>
@@ -9605,133 +9671,7 @@
 </p:sld>
 </file>
 
-<file path=ppt/slides/slide8.xml><?xml version="1.0" encoding="utf-8"?>
-<p:sld xmlns:a="http://schemas.openxmlformats.org/drawingml/2006/main" xmlns:r="http://schemas.openxmlformats.org/officeDocument/2006/relationships" xmlns:p="http://schemas.openxmlformats.org/presentationml/2006/main">
-  <p:cSld>
-    <p:spTree>
-      <p:nvGrpSpPr>
-        <p:cNvPr id="1" name=""/>
-        <p:cNvGrpSpPr/>
-        <p:nvPr/>
-      </p:nvGrpSpPr>
-      <p:grpSpPr>
-        <a:xfrm>
-          <a:off x="0" y="0"/>
-          <a:ext cx="0" cy="0"/>
-          <a:chOff x="0" y="0"/>
-          <a:chExt cx="0" cy="0"/>
-        </a:xfrm>
-      </p:grpSpPr>
-      <p:sp>
-        <p:nvSpPr>
-          <p:cNvPr id="2" name="Title 1">
-            <a:extLst>
-              <a:ext uri="{FF2B5EF4-FFF2-40B4-BE49-F238E27FC236}">
-                <a16:creationId xmlns:a16="http://schemas.microsoft.com/office/drawing/2014/main" id="{AB6F636F-F9EF-9144-8CA1-D93F025C0C0A}"/>
-              </a:ext>
-            </a:extLst>
-          </p:cNvPr>
-          <p:cNvSpPr>
-            <a:spLocks noGrp="1"/>
-          </p:cNvSpPr>
-          <p:nvPr>
-            <p:ph type="title"/>
-          </p:nvPr>
-        </p:nvSpPr>
-        <p:spPr/>
-        <p:txBody>
-          <a:bodyPr/>
-          <a:lstStyle/>
-          <a:p>
-            <a:r>
-              <a:rPr lang="en-US" dirty="0"/>
-              <a:t>Life expectancy vs GDP</a:t>
-            </a:r>
-          </a:p>
-        </p:txBody>
-      </p:sp>
-      <p:sp>
-        <p:nvSpPr>
-          <p:cNvPr id="4" name="Slide Number Placeholder 3">
-            <a:extLst>
-              <a:ext uri="{FF2B5EF4-FFF2-40B4-BE49-F238E27FC236}">
-                <a16:creationId xmlns:a16="http://schemas.microsoft.com/office/drawing/2014/main" id="{7741E40C-6A7B-114F-B0F0-603BE6E72AF5}"/>
-              </a:ext>
-            </a:extLst>
-          </p:cNvPr>
-          <p:cNvSpPr>
-            <a:spLocks noGrp="1"/>
-          </p:cNvSpPr>
-          <p:nvPr>
-            <p:ph type="sldNum" idx="12"/>
-          </p:nvPr>
-        </p:nvSpPr>
-        <p:spPr/>
-        <p:txBody>
-          <a:bodyPr/>
-          <a:lstStyle/>
-          <a:p>
-            <a:pPr marL="0" lvl="0" indent="0" algn="r" rtl="0">
-              <a:spcBef>
-                <a:spcPts val="0"/>
-              </a:spcBef>
-              <a:spcAft>
-                <a:spcPts val="0"/>
-              </a:spcAft>
-              <a:buNone/>
-            </a:pPr>
-            <a:fld id="{00000000-1234-1234-1234-123412341234}" type="slidenum">
-              <a:rPr lang="en" smtClean="0"/>
-              <a:t>8</a:t>
-            </a:fld>
-            <a:endParaRPr lang="en"/>
-          </a:p>
-        </p:txBody>
-      </p:sp>
-      <p:pic>
-        <p:nvPicPr>
-          <p:cNvPr id="6" name="Picture 5" descr="Chart, scatter chart&#10;&#10;Description automatically generated">
-            <a:extLst>
-              <a:ext uri="{FF2B5EF4-FFF2-40B4-BE49-F238E27FC236}">
-                <a16:creationId xmlns:a16="http://schemas.microsoft.com/office/drawing/2014/main" id="{41C66DE4-1550-984F-9B7C-E82570402D69}"/>
-              </a:ext>
-            </a:extLst>
-          </p:cNvPr>
-          <p:cNvPicPr>
-            <a:picLocks noChangeAspect="1"/>
-          </p:cNvPicPr>
-          <p:nvPr/>
-        </p:nvPicPr>
-        <p:blipFill>
-          <a:blip r:embed="rId2"/>
-          <a:stretch>
-            <a:fillRect/>
-          </a:stretch>
-        </p:blipFill>
-        <p:spPr>
-          <a:xfrm>
-            <a:off x="706657" y="1261393"/>
-            <a:ext cx="7730685" cy="3749040"/>
-          </a:xfrm>
-          <a:prstGeom prst="rect">
-            <a:avLst/>
-          </a:prstGeom>
-        </p:spPr>
-      </p:pic>
-    </p:spTree>
-    <p:extLst>
-      <p:ext uri="{BB962C8B-B14F-4D97-AF65-F5344CB8AC3E}">
-        <p14:creationId xmlns:p14="http://schemas.microsoft.com/office/powerpoint/2010/main" val="2247913984"/>
-      </p:ext>
-    </p:extLst>
-  </p:cSld>
-  <p:clrMapOvr>
-    <a:masterClrMapping/>
-  </p:clrMapOvr>
-</p:sld>
-</file>
-
-<file path=ppt/slides/slide9.xml><?xml version="1.0" encoding="utf-8"?>
+<file path=ppt/slides/slide7.xml><?xml version="1.0" encoding="utf-8"?>
 <p:sld xmlns:a="http://schemas.openxmlformats.org/drawingml/2006/main" xmlns:r="http://schemas.openxmlformats.org/officeDocument/2006/relationships" xmlns:p="http://schemas.openxmlformats.org/presentationml/2006/main">
   <p:cSld>
     <p:spTree>
@@ -9808,7 +9748,7 @@
             </a:pPr>
             <a:fld id="{00000000-1234-1234-1234-123412341234}" type="slidenum">
               <a:rPr lang="en" smtClean="0"/>
-              <a:t>9</a:t>
+              <a:t>7</a:t>
             </a:fld>
             <a:endParaRPr lang="en"/>
           </a:p>
@@ -9848,6 +9788,290 @@
     <p:extLst>
       <p:ext uri="{BB962C8B-B14F-4D97-AF65-F5344CB8AC3E}">
         <p14:creationId xmlns:p14="http://schemas.microsoft.com/office/powerpoint/2010/main" val="4033608030"/>
+      </p:ext>
+    </p:extLst>
+  </p:cSld>
+  <p:clrMapOvr>
+    <a:masterClrMapping/>
+  </p:clrMapOvr>
+</p:sld>
+</file>
+
+<file path=ppt/slides/slide8.xml><?xml version="1.0" encoding="utf-8"?>
+<p:sld xmlns:a="http://schemas.openxmlformats.org/drawingml/2006/main" xmlns:r="http://schemas.openxmlformats.org/officeDocument/2006/relationships" xmlns:p="http://schemas.openxmlformats.org/presentationml/2006/main">
+  <p:cSld>
+    <p:spTree>
+      <p:nvGrpSpPr>
+        <p:cNvPr id="1" name=""/>
+        <p:cNvGrpSpPr/>
+        <p:nvPr/>
+      </p:nvGrpSpPr>
+      <p:grpSpPr>
+        <a:xfrm>
+          <a:off x="0" y="0"/>
+          <a:ext cx="0" cy="0"/>
+          <a:chOff x="0" y="0"/>
+          <a:chExt cx="0" cy="0"/>
+        </a:xfrm>
+      </p:grpSpPr>
+      <p:sp>
+        <p:nvSpPr>
+          <p:cNvPr id="2" name="Title 1">
+            <a:extLst>
+              <a:ext uri="{FF2B5EF4-FFF2-40B4-BE49-F238E27FC236}">
+                <a16:creationId xmlns:a16="http://schemas.microsoft.com/office/drawing/2014/main" id="{15FD5AF3-1153-8440-BEE2-2AE7B03DFD71}"/>
+              </a:ext>
+            </a:extLst>
+          </p:cNvPr>
+          <p:cNvSpPr>
+            <a:spLocks noGrp="1"/>
+          </p:cNvSpPr>
+          <p:nvPr>
+            <p:ph type="title"/>
+          </p:nvPr>
+        </p:nvSpPr>
+        <p:spPr/>
+        <p:txBody>
+          <a:bodyPr/>
+          <a:lstStyle/>
+          <a:p>
+            <a:r>
+              <a:rPr lang="en-US" dirty="0"/>
+              <a:t>Life expectancy vs Schooling</a:t>
+            </a:r>
+          </a:p>
+        </p:txBody>
+      </p:sp>
+      <p:sp>
+        <p:nvSpPr>
+          <p:cNvPr id="4" name="Slide Number Placeholder 3">
+            <a:extLst>
+              <a:ext uri="{FF2B5EF4-FFF2-40B4-BE49-F238E27FC236}">
+                <a16:creationId xmlns:a16="http://schemas.microsoft.com/office/drawing/2014/main" id="{07A22B59-EBDF-1E4F-B15F-E15F6DCE0919}"/>
+              </a:ext>
+            </a:extLst>
+          </p:cNvPr>
+          <p:cNvSpPr>
+            <a:spLocks noGrp="1"/>
+          </p:cNvSpPr>
+          <p:nvPr>
+            <p:ph type="sldNum" idx="12"/>
+          </p:nvPr>
+        </p:nvSpPr>
+        <p:spPr/>
+        <p:txBody>
+          <a:bodyPr/>
+          <a:lstStyle/>
+          <a:p>
+            <a:pPr marL="0" lvl="0" indent="0" algn="r" rtl="0">
+              <a:spcBef>
+                <a:spcPts val="0"/>
+              </a:spcBef>
+              <a:spcAft>
+                <a:spcPts val="0"/>
+              </a:spcAft>
+              <a:buNone/>
+            </a:pPr>
+            <a:fld id="{00000000-1234-1234-1234-123412341234}" type="slidenum">
+              <a:rPr lang="en" smtClean="0"/>
+              <a:t>8</a:t>
+            </a:fld>
+            <a:endParaRPr lang="en"/>
+          </a:p>
+        </p:txBody>
+      </p:sp>
+      <p:pic>
+        <p:nvPicPr>
+          <p:cNvPr id="6" name="Picture 5" descr="Chart, scatter chart&#10;&#10;Description automatically generated">
+            <a:extLst>
+              <a:ext uri="{FF2B5EF4-FFF2-40B4-BE49-F238E27FC236}">
+                <a16:creationId xmlns:a16="http://schemas.microsoft.com/office/drawing/2014/main" id="{4713B4D8-4390-7142-9462-69A9096056C9}"/>
+              </a:ext>
+            </a:extLst>
+          </p:cNvPr>
+          <p:cNvPicPr>
+            <a:picLocks noChangeAspect="1"/>
+          </p:cNvPicPr>
+          <p:nvPr/>
+        </p:nvPicPr>
+        <p:blipFill>
+          <a:blip r:embed="rId2"/>
+          <a:stretch>
+            <a:fillRect/>
+          </a:stretch>
+        </p:blipFill>
+        <p:spPr>
+          <a:xfrm>
+            <a:off x="706657" y="1266760"/>
+            <a:ext cx="7730685" cy="3749040"/>
+          </a:xfrm>
+          <a:prstGeom prst="rect">
+            <a:avLst/>
+          </a:prstGeom>
+        </p:spPr>
+      </p:pic>
+    </p:spTree>
+    <p:extLst>
+      <p:ext uri="{BB962C8B-B14F-4D97-AF65-F5344CB8AC3E}">
+        <p14:creationId xmlns:p14="http://schemas.microsoft.com/office/powerpoint/2010/main" val="901473690"/>
+      </p:ext>
+    </p:extLst>
+  </p:cSld>
+  <p:clrMapOvr>
+    <a:masterClrMapping/>
+  </p:clrMapOvr>
+</p:sld>
+</file>
+
+<file path=ppt/slides/slide9.xml><?xml version="1.0" encoding="utf-8"?>
+<p:sld xmlns:a="http://schemas.openxmlformats.org/drawingml/2006/main" xmlns:r="http://schemas.openxmlformats.org/officeDocument/2006/relationships" xmlns:p="http://schemas.openxmlformats.org/presentationml/2006/main">
+  <p:cSld>
+    <p:spTree>
+      <p:nvGrpSpPr>
+        <p:cNvPr id="1" name=""/>
+        <p:cNvGrpSpPr/>
+        <p:nvPr/>
+      </p:nvGrpSpPr>
+      <p:grpSpPr>
+        <a:xfrm>
+          <a:off x="0" y="0"/>
+          <a:ext cx="0" cy="0"/>
+          <a:chOff x="0" y="0"/>
+          <a:chExt cx="0" cy="0"/>
+        </a:xfrm>
+      </p:grpSpPr>
+      <p:sp>
+        <p:nvSpPr>
+          <p:cNvPr id="2" name="Title 1">
+            <a:extLst>
+              <a:ext uri="{FF2B5EF4-FFF2-40B4-BE49-F238E27FC236}">
+                <a16:creationId xmlns:a16="http://schemas.microsoft.com/office/drawing/2014/main" id="{0CAE251D-6CD4-164C-AF18-374EABD7C9AE}"/>
+              </a:ext>
+            </a:extLst>
+          </p:cNvPr>
+          <p:cNvSpPr>
+            <a:spLocks noGrp="1"/>
+          </p:cNvSpPr>
+          <p:nvPr>
+            <p:ph type="title"/>
+          </p:nvPr>
+        </p:nvSpPr>
+        <p:spPr>
+          <a:xfrm>
+            <a:off x="893699" y="358388"/>
+            <a:ext cx="7586875" cy="857400"/>
+          </a:xfrm>
+        </p:spPr>
+        <p:txBody>
+          <a:bodyPr/>
+          <a:lstStyle/>
+          <a:p>
+            <a:r>
+              <a:rPr lang="en-US" dirty="0"/>
+              <a:t>Multiple Linear Regression Procedure</a:t>
+            </a:r>
+          </a:p>
+        </p:txBody>
+      </p:sp>
+      <p:sp>
+        <p:nvSpPr>
+          <p:cNvPr id="3" name="Text Placeholder 2">
+            <a:extLst>
+              <a:ext uri="{FF2B5EF4-FFF2-40B4-BE49-F238E27FC236}">
+                <a16:creationId xmlns:a16="http://schemas.microsoft.com/office/drawing/2014/main" id="{583693C7-36FB-314F-922F-0586DDDB087F}"/>
+              </a:ext>
+            </a:extLst>
+          </p:cNvPr>
+          <p:cNvSpPr>
+            <a:spLocks noGrp="1"/>
+          </p:cNvSpPr>
+          <p:nvPr>
+            <p:ph type="body" idx="1"/>
+          </p:nvPr>
+        </p:nvSpPr>
+        <p:spPr>
+          <a:xfrm>
+            <a:off x="893700" y="1373588"/>
+            <a:ext cx="7174122" cy="3552300"/>
+          </a:xfrm>
+        </p:spPr>
+        <p:txBody>
+          <a:bodyPr/>
+          <a:lstStyle/>
+          <a:p>
+            <a:r>
+              <a:rPr lang="en-US" dirty="0"/>
+              <a:t>All countries, developed, developing</a:t>
+            </a:r>
+          </a:p>
+          <a:p>
+            <a:r>
+              <a:rPr lang="en-US" dirty="0"/>
+              <a:t>Removed countries with N/A values</a:t>
+            </a:r>
+          </a:p>
+          <a:p>
+            <a:r>
+              <a:rPr lang="en-US" dirty="0"/>
+              <a:t>Removed 3 columns due to linear dependency</a:t>
+            </a:r>
+          </a:p>
+          <a:p>
+            <a:r>
+              <a:rPr lang="en-US" dirty="0"/>
+              <a:t>Step-wise regression using AIC as the penalty criteria</a:t>
+            </a:r>
+          </a:p>
+          <a:p>
+            <a:r>
+              <a:rPr lang="en-US" dirty="0"/>
+              <a:t>Checked regression assumptions were satisfied with plots and VIF values &lt; 5</a:t>
+            </a:r>
+          </a:p>
+        </p:txBody>
+      </p:sp>
+      <p:sp>
+        <p:nvSpPr>
+          <p:cNvPr id="4" name="Slide Number Placeholder 3">
+            <a:extLst>
+              <a:ext uri="{FF2B5EF4-FFF2-40B4-BE49-F238E27FC236}">
+                <a16:creationId xmlns:a16="http://schemas.microsoft.com/office/drawing/2014/main" id="{6A33DC5F-B5C3-3E45-98B3-D3077AE27C38}"/>
+              </a:ext>
+            </a:extLst>
+          </p:cNvPr>
+          <p:cNvSpPr>
+            <a:spLocks noGrp="1"/>
+          </p:cNvSpPr>
+          <p:nvPr>
+            <p:ph type="sldNum" idx="12"/>
+          </p:nvPr>
+        </p:nvSpPr>
+        <p:spPr/>
+        <p:txBody>
+          <a:bodyPr/>
+          <a:lstStyle/>
+          <a:p>
+            <a:pPr marL="0" lvl="0" indent="0" algn="r" rtl="0">
+              <a:spcBef>
+                <a:spcPts val="0"/>
+              </a:spcBef>
+              <a:spcAft>
+                <a:spcPts val="0"/>
+              </a:spcAft>
+              <a:buNone/>
+            </a:pPr>
+            <a:fld id="{00000000-1234-1234-1234-123412341234}" type="slidenum">
+              <a:rPr lang="en" smtClean="0"/>
+              <a:t>9</a:t>
+            </a:fld>
+            <a:endParaRPr lang="en"/>
+          </a:p>
+        </p:txBody>
+      </p:sp>
+    </p:spTree>
+    <p:extLst>
+      <p:ext uri="{BB962C8B-B14F-4D97-AF65-F5344CB8AC3E}">
+        <p14:creationId xmlns:p14="http://schemas.microsoft.com/office/powerpoint/2010/main" val="3282485125"/>
       </p:ext>
     </p:extLst>
   </p:cSld>
